--- a/进度汇报PPT汇总/week14.pptx
+++ b/进度汇报PPT汇总/week14.pptx
@@ -5,17 +5,18 @@
     <p:sldMasterId id="2147483648" r:id="rId1"/>
   </p:sldMasterIdLst>
   <p:notesMasterIdLst>
-    <p:notesMasterId r:id="rId7"/>
+    <p:notesMasterId r:id="rId5"/>
   </p:notesMasterIdLst>
   <p:handoutMasterIdLst>
-    <p:handoutMasterId r:id="rId8"/>
+    <p:handoutMasterId r:id="rId10"/>
   </p:handoutMasterIdLst>
   <p:sldIdLst>
-    <p:sldId id="312" r:id="rId2"/>
-    <p:sldId id="367" r:id="rId3"/>
-    <p:sldId id="368" r:id="rId4"/>
-    <p:sldId id="369" r:id="rId5"/>
-    <p:sldId id="361" r:id="rId6"/>
+    <p:sldId id="312" r:id="rId3"/>
+    <p:sldId id="367" r:id="rId4"/>
+    <p:sldId id="371" r:id="rId6"/>
+    <p:sldId id="368" r:id="rId7"/>
+    <p:sldId id="369" r:id="rId8"/>
+    <p:sldId id="361" r:id="rId9"/>
   </p:sldIdLst>
   <p:sldSz cx="12192000" cy="6858000"/>
   <p:notesSz cx="6858000" cy="9144000"/>
@@ -114,241 +115,7 @@
       </a:defRPr>
     </a:lvl9pPr>
   </p:defaultTextStyle>
-  <p:extLst>
-    <p:ext uri="{EFAFB233-063F-42B5-8137-9DF3F51BA10A}">
-      <p15:sldGuideLst xmlns:p15="http://schemas.microsoft.com/office/powerpoint/2012/main"/>
-    </p:ext>
-  </p:extLst>
 </p:presentation>
-</file>
-
-<file path=ppt/changesInfos/changesInfo1.xml><?xml version="1.0" encoding="utf-8"?>
-<pc:chgInfo xmlns:a="http://schemas.openxmlformats.org/drawingml/2006/main" xmlns:r="http://schemas.openxmlformats.org/officeDocument/2006/relationships" xmlns:ac="http://schemas.microsoft.com/office/drawing/2013/main/command" xmlns:pc="http://schemas.microsoft.com/office/powerpoint/2013/main/command">
-  <pc:docChgLst>
-    <pc:chgData name="snade jack" userId="ba5019ad82b64393" providerId="LiveId" clId="{55F189A0-0F95-4A55-B5E4-662823826988}"/>
-    <pc:docChg chg="undo custSel addSld modSld">
-      <pc:chgData name="snade jack" userId="ba5019ad82b64393" providerId="LiveId" clId="{55F189A0-0F95-4A55-B5E4-662823826988}" dt="2022-05-21T02:01:27.814" v="280" actId="1076"/>
-      <pc:docMkLst>
-        <pc:docMk/>
-      </pc:docMkLst>
-      <pc:sldChg chg="modSp new mod">
-        <pc:chgData name="snade jack" userId="ba5019ad82b64393" providerId="LiveId" clId="{55F189A0-0F95-4A55-B5E4-662823826988}" dt="2022-05-21T01:57:44.045" v="127"/>
-        <pc:sldMkLst>
-          <pc:docMk/>
-          <pc:sldMk cId="2188342295" sldId="368"/>
-        </pc:sldMkLst>
-        <pc:spChg chg="mod">
-          <ac:chgData name="snade jack" userId="ba5019ad82b64393" providerId="LiveId" clId="{55F189A0-0F95-4A55-B5E4-662823826988}" dt="2022-05-21T01:56:04.742" v="2"/>
-          <ac:spMkLst>
-            <pc:docMk/>
-            <pc:sldMk cId="2188342295" sldId="368"/>
-            <ac:spMk id="2" creationId="{606FBA64-85B3-0BC3-589B-CF813B34D88F}"/>
-          </ac:spMkLst>
-        </pc:spChg>
-        <pc:spChg chg="mod">
-          <ac:chgData name="snade jack" userId="ba5019ad82b64393" providerId="LiveId" clId="{55F189A0-0F95-4A55-B5E4-662823826988}" dt="2022-05-21T01:57:44.045" v="127"/>
-          <ac:spMkLst>
-            <pc:docMk/>
-            <pc:sldMk cId="2188342295" sldId="368"/>
-            <ac:spMk id="3" creationId="{C667B299-2EB9-832E-FFAC-7E0F0D10C01F}"/>
-          </ac:spMkLst>
-        </pc:spChg>
-      </pc:sldChg>
-      <pc:sldChg chg="addSp modSp new mod">
-        <pc:chgData name="snade jack" userId="ba5019ad82b64393" providerId="LiveId" clId="{55F189A0-0F95-4A55-B5E4-662823826988}" dt="2022-05-21T01:58:51.366" v="227"/>
-        <pc:sldMkLst>
-          <pc:docMk/>
-          <pc:sldMk cId="2526896225" sldId="369"/>
-        </pc:sldMkLst>
-        <pc:spChg chg="mod">
-          <ac:chgData name="snade jack" userId="ba5019ad82b64393" providerId="LiveId" clId="{55F189A0-0F95-4A55-B5E4-662823826988}" dt="2022-05-21T01:57:48.284" v="132"/>
-          <ac:spMkLst>
-            <pc:docMk/>
-            <pc:sldMk cId="2526896225" sldId="369"/>
-            <ac:spMk id="2" creationId="{2149C24B-DD32-F277-F8BB-BFE3F5B5C8FD}"/>
-          </ac:spMkLst>
-        </pc:spChg>
-        <pc:spChg chg="mod">
-          <ac:chgData name="snade jack" userId="ba5019ad82b64393" providerId="LiveId" clId="{55F189A0-0F95-4A55-B5E4-662823826988}" dt="2022-05-21T01:58:51.366" v="227"/>
-          <ac:spMkLst>
-            <pc:docMk/>
-            <pc:sldMk cId="2526896225" sldId="369"/>
-            <ac:spMk id="3" creationId="{4244DD2A-53B1-F8DC-22F9-25FDEDE31D26}"/>
-          </ac:spMkLst>
-        </pc:spChg>
-        <pc:picChg chg="add mod">
-          <ac:chgData name="snade jack" userId="ba5019ad82b64393" providerId="LiveId" clId="{55F189A0-0F95-4A55-B5E4-662823826988}" dt="2022-05-21T01:58:31.477" v="181" actId="1076"/>
-          <ac:picMkLst>
-            <pc:docMk/>
-            <pc:sldMk cId="2526896225" sldId="369"/>
-            <ac:picMk id="6" creationId="{12434913-078F-5E4C-775E-C507CBF6C8A1}"/>
-          </ac:picMkLst>
-        </pc:picChg>
-      </pc:sldChg>
-      <pc:sldChg chg="addSp modSp new mod">
-        <pc:chgData name="snade jack" userId="ba5019ad82b64393" providerId="LiveId" clId="{55F189A0-0F95-4A55-B5E4-662823826988}" dt="2022-05-21T02:00:13.905" v="250" actId="1076"/>
-        <pc:sldMkLst>
-          <pc:docMk/>
-          <pc:sldMk cId="2347504704" sldId="370"/>
-        </pc:sldMkLst>
-        <pc:spChg chg="mod">
-          <ac:chgData name="snade jack" userId="ba5019ad82b64393" providerId="LiveId" clId="{55F189A0-0F95-4A55-B5E4-662823826988}" dt="2022-05-21T01:58:55.619" v="229"/>
-          <ac:spMkLst>
-            <pc:docMk/>
-            <pc:sldMk cId="2347504704" sldId="370"/>
-            <ac:spMk id="2" creationId="{8B96EE58-58BF-0E77-2A17-DEA21DD8F792}"/>
-          </ac:spMkLst>
-        </pc:spChg>
-        <pc:spChg chg="mod">
-          <ac:chgData name="snade jack" userId="ba5019ad82b64393" providerId="LiveId" clId="{55F189A0-0F95-4A55-B5E4-662823826988}" dt="2022-05-21T02:00:10.548" v="249"/>
-          <ac:spMkLst>
-            <pc:docMk/>
-            <pc:sldMk cId="2347504704" sldId="370"/>
-            <ac:spMk id="3" creationId="{D35F3449-A7BA-6BE9-351A-4BCB264B0202}"/>
-          </ac:spMkLst>
-        </pc:spChg>
-        <pc:picChg chg="add mod">
-          <ac:chgData name="snade jack" userId="ba5019ad82b64393" providerId="LiveId" clId="{55F189A0-0F95-4A55-B5E4-662823826988}" dt="2022-05-21T02:00:13.905" v="250" actId="1076"/>
-          <ac:picMkLst>
-            <pc:docMk/>
-            <pc:sldMk cId="2347504704" sldId="370"/>
-            <ac:picMk id="6" creationId="{EFD11C35-3923-93DB-47A3-6486C7B1E3CD}"/>
-          </ac:picMkLst>
-        </pc:picChg>
-      </pc:sldChg>
-      <pc:sldChg chg="addSp modSp new mod">
-        <pc:chgData name="snade jack" userId="ba5019ad82b64393" providerId="LiveId" clId="{55F189A0-0F95-4A55-B5E4-662823826988}" dt="2022-05-21T02:01:27.814" v="280" actId="1076"/>
-        <pc:sldMkLst>
-          <pc:docMk/>
-          <pc:sldMk cId="1227354387" sldId="371"/>
-        </pc:sldMkLst>
-        <pc:spChg chg="mod">
-          <ac:chgData name="snade jack" userId="ba5019ad82b64393" providerId="LiveId" clId="{55F189A0-0F95-4A55-B5E4-662823826988}" dt="2022-05-21T02:00:17.279" v="255"/>
-          <ac:spMkLst>
-            <pc:docMk/>
-            <pc:sldMk cId="1227354387" sldId="371"/>
-            <ac:spMk id="2" creationId="{F8FC960D-2D1B-0239-D7AD-9EC782862D42}"/>
-          </ac:spMkLst>
-        </pc:spChg>
-        <pc:spChg chg="mod">
-          <ac:chgData name="snade jack" userId="ba5019ad82b64393" providerId="LiveId" clId="{55F189A0-0F95-4A55-B5E4-662823826988}" dt="2022-05-21T02:01:19.305" v="274"/>
-          <ac:spMkLst>
-            <pc:docMk/>
-            <pc:sldMk cId="1227354387" sldId="371"/>
-            <ac:spMk id="3" creationId="{1244FD8C-BDF5-7356-DE89-15B71A3531CD}"/>
-          </ac:spMkLst>
-        </pc:spChg>
-        <pc:picChg chg="add mod">
-          <ac:chgData name="snade jack" userId="ba5019ad82b64393" providerId="LiveId" clId="{55F189A0-0F95-4A55-B5E4-662823826988}" dt="2022-05-21T02:01:27.814" v="280" actId="1076"/>
-          <ac:picMkLst>
-            <pc:docMk/>
-            <pc:sldMk cId="1227354387" sldId="371"/>
-            <ac:picMk id="6" creationId="{4109C5DD-6E06-5FA7-9123-72981257C767}"/>
-          </ac:picMkLst>
-        </pc:picChg>
-      </pc:sldChg>
-    </pc:docChg>
-  </pc:docChgLst>
-  <pc:docChgLst>
-    <pc:chgData name="snade jack" userId="ba5019ad82b64393" providerId="LiveId" clId="{CA3B1AFA-15F4-4B97-8A05-1F83FDFED379}"/>
-    <pc:docChg chg="custSel delSld modSld">
-      <pc:chgData name="snade jack" userId="ba5019ad82b64393" providerId="LiveId" clId="{CA3B1AFA-15F4-4B97-8A05-1F83FDFED379}" dt="2022-05-27T16:07:01.694" v="290"/>
-      <pc:docMkLst>
-        <pc:docMk/>
-      </pc:docMkLst>
-      <pc:sldChg chg="modSp mod">
-        <pc:chgData name="snade jack" userId="ba5019ad82b64393" providerId="LiveId" clId="{CA3B1AFA-15F4-4B97-8A05-1F83FDFED379}" dt="2022-05-27T16:02:30.144" v="1" actId="20577"/>
-        <pc:sldMkLst>
-          <pc:docMk/>
-          <pc:sldMk cId="0" sldId="312"/>
-        </pc:sldMkLst>
-        <pc:spChg chg="mod">
-          <ac:chgData name="snade jack" userId="ba5019ad82b64393" providerId="LiveId" clId="{CA3B1AFA-15F4-4B97-8A05-1F83FDFED379}" dt="2022-05-27T16:02:30.144" v="1" actId="20577"/>
-          <ac:spMkLst>
-            <pc:docMk/>
-            <pc:sldMk cId="0" sldId="312"/>
-            <ac:spMk id="5" creationId="{00000000-0000-0000-0000-000000000000}"/>
-          </ac:spMkLst>
-        </pc:spChg>
-      </pc:sldChg>
-      <pc:sldChg chg="modSp mod">
-        <pc:chgData name="snade jack" userId="ba5019ad82b64393" providerId="LiveId" clId="{CA3B1AFA-15F4-4B97-8A05-1F83FDFED379}" dt="2022-05-27T16:02:35.707" v="3" actId="20577"/>
-        <pc:sldMkLst>
-          <pc:docMk/>
-          <pc:sldMk cId="0" sldId="367"/>
-        </pc:sldMkLst>
-        <pc:spChg chg="mod">
-          <ac:chgData name="snade jack" userId="ba5019ad82b64393" providerId="LiveId" clId="{CA3B1AFA-15F4-4B97-8A05-1F83FDFED379}" dt="2022-05-27T16:02:35.707" v="3" actId="20577"/>
-          <ac:spMkLst>
-            <pc:docMk/>
-            <pc:sldMk cId="0" sldId="367"/>
-            <ac:spMk id="3" creationId="{00000000-0000-0000-0000-000000000000}"/>
-          </ac:spMkLst>
-        </pc:spChg>
-      </pc:sldChg>
-      <pc:sldChg chg="modSp mod">
-        <pc:chgData name="snade jack" userId="ba5019ad82b64393" providerId="LiveId" clId="{CA3B1AFA-15F4-4B97-8A05-1F83FDFED379}" dt="2022-05-27T16:05:52.122" v="259"/>
-        <pc:sldMkLst>
-          <pc:docMk/>
-          <pc:sldMk cId="2188342295" sldId="368"/>
-        </pc:sldMkLst>
-        <pc:spChg chg="mod">
-          <ac:chgData name="snade jack" userId="ba5019ad82b64393" providerId="LiveId" clId="{CA3B1AFA-15F4-4B97-8A05-1F83FDFED379}" dt="2022-05-27T16:05:52.122" v="259"/>
-          <ac:spMkLst>
-            <pc:docMk/>
-            <pc:sldMk cId="2188342295" sldId="368"/>
-            <ac:spMk id="3" creationId="{C667B299-2EB9-832E-FFAC-7E0F0D10C01F}"/>
-          </ac:spMkLst>
-        </pc:spChg>
-      </pc:sldChg>
-      <pc:sldChg chg="addSp delSp modSp mod modAnim">
-        <pc:chgData name="snade jack" userId="ba5019ad82b64393" providerId="LiveId" clId="{CA3B1AFA-15F4-4B97-8A05-1F83FDFED379}" dt="2022-05-27T16:07:01.694" v="290"/>
-        <pc:sldMkLst>
-          <pc:docMk/>
-          <pc:sldMk cId="2526896225" sldId="369"/>
-        </pc:sldMkLst>
-        <pc:spChg chg="mod">
-          <ac:chgData name="snade jack" userId="ba5019ad82b64393" providerId="LiveId" clId="{CA3B1AFA-15F4-4B97-8A05-1F83FDFED379}" dt="2022-05-27T16:06:17.735" v="287"/>
-          <ac:spMkLst>
-            <pc:docMk/>
-            <pc:sldMk cId="2526896225" sldId="369"/>
-            <ac:spMk id="3" creationId="{4244DD2A-53B1-F8DC-22F9-25FDEDE31D26}"/>
-          </ac:spMkLst>
-        </pc:spChg>
-        <pc:picChg chg="del">
-          <ac:chgData name="snade jack" userId="ba5019ad82b64393" providerId="LiveId" clId="{CA3B1AFA-15F4-4B97-8A05-1F83FDFED379}" dt="2022-05-27T16:06:23.241" v="288" actId="478"/>
-          <ac:picMkLst>
-            <pc:docMk/>
-            <pc:sldMk cId="2526896225" sldId="369"/>
-            <ac:picMk id="6" creationId="{12434913-078F-5E4C-775E-C507CBF6C8A1}"/>
-          </ac:picMkLst>
-        </pc:picChg>
-        <pc:picChg chg="add mod">
-          <ac:chgData name="snade jack" userId="ba5019ad82b64393" providerId="LiveId" clId="{CA3B1AFA-15F4-4B97-8A05-1F83FDFED379}" dt="2022-05-27T16:06:33.558" v="289"/>
-          <ac:picMkLst>
-            <pc:docMk/>
-            <pc:sldMk cId="2526896225" sldId="369"/>
-            <ac:picMk id="7" creationId="{9C34BE71-2226-B1DA-BEE9-2248661CE2A7}"/>
-          </ac:picMkLst>
-        </pc:picChg>
-      </pc:sldChg>
-      <pc:sldChg chg="del">
-        <pc:chgData name="snade jack" userId="ba5019ad82b64393" providerId="LiveId" clId="{CA3B1AFA-15F4-4B97-8A05-1F83FDFED379}" dt="2022-05-27T16:02:42.003" v="4" actId="47"/>
-        <pc:sldMkLst>
-          <pc:docMk/>
-          <pc:sldMk cId="2347504704" sldId="370"/>
-        </pc:sldMkLst>
-      </pc:sldChg>
-      <pc:sldChg chg="del">
-        <pc:chgData name="snade jack" userId="ba5019ad82b64393" providerId="LiveId" clId="{CA3B1AFA-15F4-4B97-8A05-1F83FDFED379}" dt="2022-05-27T16:02:42.003" v="4" actId="47"/>
-        <pc:sldMkLst>
-          <pc:docMk/>
-          <pc:sldMk cId="1227354387" sldId="371"/>
-        </pc:sldMkLst>
-      </pc:sldChg>
-    </pc:docChg>
-  </pc:docChgLst>
-</pc:chgInfo>
 </file>
 
 <file path=ppt/handoutMasters/handoutMaster1.xml><?xml version="1.0" encoding="utf-8"?>
@@ -433,7 +200,6 @@
           <a:p>
             <a:fld id="{0F9B84EA-7D68-4D60-9CB1-D50884785D1C}" type="datetimeFigureOut">
               <a:rPr lang="zh-CN" altLang="en-US" smtClean="0"/>
-              <a:t>2022/5/28</a:t>
             </a:fld>
             <a:endParaRPr lang="zh-CN" altLang="en-US"/>
           </a:p>
@@ -499,18 +265,12 @@
           <a:p>
             <a:fld id="{8D4E0FC9-F1F8-4FAE-9988-3BA365CFD46F}" type="slidenum">
               <a:rPr lang="zh-CN" altLang="en-US" smtClean="0"/>
-              <a:t>‹#›</a:t>
             </a:fld>
             <a:endParaRPr lang="zh-CN" altLang="en-US"/>
           </a:p>
         </p:txBody>
       </p:sp>
     </p:spTree>
-    <p:extLst>
-      <p:ext uri="{BB962C8B-B14F-4D97-AF65-F5344CB8AC3E}">
-        <p14:creationId xmlns:p14="http://schemas.microsoft.com/office/powerpoint/2010/main" val="1"/>
-      </p:ext>
-    </p:extLst>
   </p:cSld>
   <p:clrMap bg1="lt1" tx1="dk1" bg2="lt2" tx2="dk2" accent1="accent1" accent2="accent2" accent3="accent3" accent4="accent4" accent5="accent5" accent6="accent6" hlink="hlink" folHlink="folHlink"/>
 </p:handoutMaster>
@@ -598,7 +358,6 @@
           <a:p>
             <a:fld id="{7B4F2CEB-5DF7-4808-8224-1EF646B93121}" type="datetimeFigureOut">
               <a:rPr lang="zh-CN" altLang="en-US" smtClean="0"/>
-              <a:t>2022/5/28</a:t>
             </a:fld>
             <a:endParaRPr lang="zh-CN" altLang="en-US"/>
           </a:p>
@@ -665,6 +424,7 @@
               <a:rPr lang="zh-CN" altLang="en-US"/>
               <a:t>单击此处编辑母版文本样式</a:t>
             </a:r>
+            <a:endParaRPr lang="zh-CN" altLang="en-US"/>
           </a:p>
           <a:p>
             <a:pPr lvl="1"/>
@@ -672,6 +432,7 @@
               <a:rPr lang="zh-CN" altLang="en-US"/>
               <a:t>二级</a:t>
             </a:r>
+            <a:endParaRPr lang="zh-CN" altLang="en-US"/>
           </a:p>
           <a:p>
             <a:pPr lvl="2"/>
@@ -679,6 +440,7 @@
               <a:rPr lang="zh-CN" altLang="en-US"/>
               <a:t>三级</a:t>
             </a:r>
+            <a:endParaRPr lang="zh-CN" altLang="en-US"/>
           </a:p>
           <a:p>
             <a:pPr lvl="3"/>
@@ -686,6 +448,7 @@
               <a:rPr lang="zh-CN" altLang="en-US"/>
               <a:t>四级</a:t>
             </a:r>
+            <a:endParaRPr lang="zh-CN" altLang="en-US"/>
           </a:p>
           <a:p>
             <a:pPr lvl="4"/>
@@ -693,6 +456,7 @@
               <a:rPr lang="zh-CN" altLang="en-US"/>
               <a:t>五级</a:t>
             </a:r>
+            <a:endParaRPr lang="zh-CN" altLang="en-US"/>
           </a:p>
         </p:txBody>
       </p:sp>
@@ -756,7 +520,6 @@
           <a:p>
             <a:fld id="{83AA1F61-0992-4120-A1E9-FA3A21BB776E}" type="slidenum">
               <a:rPr lang="zh-CN" altLang="en-US" smtClean="0"/>
-              <a:t>‹#›</a:t>
             </a:fld>
             <a:endParaRPr lang="zh-CN" altLang="en-US"/>
           </a:p>
@@ -961,6 +724,7 @@
               <a:rPr lang="zh-CN" altLang="en-US" dirty="0"/>
               <a:t>单击此处编辑母版标题样式</a:t>
             </a:r>
+            <a:endParaRPr lang="zh-CN" altLang="en-US" dirty="0"/>
           </a:p>
         </p:txBody>
       </p:sp>
@@ -1025,6 +789,7 @@
               <a:rPr lang="zh-CN" altLang="en-US"/>
               <a:t>单击此处编辑母版副标题样式</a:t>
             </a:r>
+            <a:endParaRPr lang="zh-CN" altLang="en-US"/>
           </a:p>
         </p:txBody>
       </p:sp>
@@ -1045,7 +810,6 @@
           <a:p>
             <a:fld id="{A9482DDB-C4B4-4602-831B-33D7CA22852C}" type="datetime1">
               <a:rPr lang="zh-CN" altLang="en-US" smtClean="0"/>
-              <a:t>2022/5/28</a:t>
             </a:fld>
             <a:endParaRPr lang="zh-CN" altLang="en-US"/>
           </a:p>
@@ -1094,7 +858,6 @@
           <a:p>
             <a:fld id="{519AEA81-C1FD-4B2C-87D1-3FA637539CC6}" type="slidenum">
               <a:rPr lang="zh-CN" altLang="en-US" smtClean="0"/>
-              <a:t>‹#›</a:t>
             </a:fld>
             <a:endParaRPr lang="zh-CN" altLang="en-US" dirty="0"/>
           </a:p>
@@ -1144,6 +907,7 @@
               <a:rPr lang="zh-CN" altLang="en-US"/>
               <a:t>单击此处编辑母版标题样式</a:t>
             </a:r>
+            <a:endParaRPr lang="zh-CN" altLang="en-US"/>
           </a:p>
         </p:txBody>
       </p:sp>
@@ -1167,6 +931,7 @@
               <a:rPr lang="zh-CN" altLang="en-US"/>
               <a:t>单击此处编辑母版文本样式</a:t>
             </a:r>
+            <a:endParaRPr lang="zh-CN" altLang="en-US"/>
           </a:p>
           <a:p>
             <a:pPr lvl="1"/>
@@ -1174,6 +939,7 @@
               <a:rPr lang="zh-CN" altLang="en-US"/>
               <a:t>二级</a:t>
             </a:r>
+            <a:endParaRPr lang="zh-CN" altLang="en-US"/>
           </a:p>
           <a:p>
             <a:pPr lvl="2"/>
@@ -1181,6 +947,7 @@
               <a:rPr lang="zh-CN" altLang="en-US"/>
               <a:t>三级</a:t>
             </a:r>
+            <a:endParaRPr lang="zh-CN" altLang="en-US"/>
           </a:p>
           <a:p>
             <a:pPr lvl="3"/>
@@ -1188,6 +955,7 @@
               <a:rPr lang="zh-CN" altLang="en-US"/>
               <a:t>四级</a:t>
             </a:r>
+            <a:endParaRPr lang="zh-CN" altLang="en-US"/>
           </a:p>
           <a:p>
             <a:pPr lvl="4"/>
@@ -1195,6 +963,7 @@
               <a:rPr lang="zh-CN" altLang="en-US"/>
               <a:t>五级</a:t>
             </a:r>
+            <a:endParaRPr lang="zh-CN" altLang="en-US"/>
           </a:p>
         </p:txBody>
       </p:sp>
@@ -1215,7 +984,6 @@
           <a:p>
             <a:fld id="{E9B53CE2-FC60-405A-858E-53FC0D5D5173}" type="datetime1">
               <a:rPr lang="zh-CN" altLang="en-US" smtClean="0"/>
-              <a:t>2022/5/28</a:t>
             </a:fld>
             <a:endParaRPr lang="zh-CN" altLang="en-US"/>
           </a:p>
@@ -1257,7 +1025,6 @@
           <a:p>
             <a:fld id="{519AEA81-C1FD-4B2C-87D1-3FA637539CC6}" type="slidenum">
               <a:rPr lang="zh-CN" altLang="en-US" smtClean="0"/>
-              <a:t>‹#›</a:t>
             </a:fld>
             <a:endParaRPr lang="zh-CN" altLang="en-US"/>
           </a:p>
@@ -1312,6 +1079,7 @@
               <a:rPr lang="zh-CN" altLang="en-US"/>
               <a:t>单击此处编辑母版标题样式</a:t>
             </a:r>
+            <a:endParaRPr lang="zh-CN" altLang="en-US"/>
           </a:p>
         </p:txBody>
       </p:sp>
@@ -1340,6 +1108,7 @@
               <a:rPr lang="zh-CN" altLang="en-US"/>
               <a:t>单击此处编辑母版文本样式</a:t>
             </a:r>
+            <a:endParaRPr lang="zh-CN" altLang="en-US"/>
           </a:p>
           <a:p>
             <a:pPr lvl="1"/>
@@ -1347,6 +1116,7 @@
               <a:rPr lang="zh-CN" altLang="en-US"/>
               <a:t>二级</a:t>
             </a:r>
+            <a:endParaRPr lang="zh-CN" altLang="en-US"/>
           </a:p>
           <a:p>
             <a:pPr lvl="2"/>
@@ -1354,6 +1124,7 @@
               <a:rPr lang="zh-CN" altLang="en-US"/>
               <a:t>三级</a:t>
             </a:r>
+            <a:endParaRPr lang="zh-CN" altLang="en-US"/>
           </a:p>
           <a:p>
             <a:pPr lvl="3"/>
@@ -1361,6 +1132,7 @@
               <a:rPr lang="zh-CN" altLang="en-US"/>
               <a:t>四级</a:t>
             </a:r>
+            <a:endParaRPr lang="zh-CN" altLang="en-US"/>
           </a:p>
           <a:p>
             <a:pPr lvl="4"/>
@@ -1368,6 +1140,7 @@
               <a:rPr lang="zh-CN" altLang="en-US"/>
               <a:t>五级</a:t>
             </a:r>
+            <a:endParaRPr lang="zh-CN" altLang="en-US"/>
           </a:p>
         </p:txBody>
       </p:sp>
@@ -1388,7 +1161,6 @@
           <a:p>
             <a:fld id="{2C0097D1-6629-49F3-8447-AFCF4DA4A258}" type="datetime1">
               <a:rPr lang="zh-CN" altLang="en-US" smtClean="0"/>
-              <a:t>2022/5/28</a:t>
             </a:fld>
             <a:endParaRPr lang="zh-CN" altLang="en-US"/>
           </a:p>
@@ -1430,7 +1202,6 @@
           <a:p>
             <a:fld id="{519AEA81-C1FD-4B2C-87D1-3FA637539CC6}" type="slidenum">
               <a:rPr lang="zh-CN" altLang="en-US" smtClean="0"/>
-              <a:t>‹#›</a:t>
             </a:fld>
             <a:endParaRPr lang="zh-CN" altLang="en-US"/>
           </a:p>
@@ -1480,6 +1251,7 @@
               <a:rPr lang="zh-CN" altLang="en-US"/>
               <a:t>单击此处编辑母版标题样式</a:t>
             </a:r>
+            <a:endParaRPr lang="zh-CN" altLang="en-US"/>
           </a:p>
         </p:txBody>
       </p:sp>
@@ -1503,6 +1275,7 @@
               <a:rPr lang="zh-CN" altLang="en-US"/>
               <a:t>单击此处编辑母版文本样式</a:t>
             </a:r>
+            <a:endParaRPr lang="zh-CN" altLang="en-US"/>
           </a:p>
           <a:p>
             <a:pPr lvl="1"/>
@@ -1510,6 +1283,7 @@
               <a:rPr lang="zh-CN" altLang="en-US"/>
               <a:t>二级</a:t>
             </a:r>
+            <a:endParaRPr lang="zh-CN" altLang="en-US"/>
           </a:p>
           <a:p>
             <a:pPr lvl="2"/>
@@ -1517,6 +1291,7 @@
               <a:rPr lang="zh-CN" altLang="en-US"/>
               <a:t>三级</a:t>
             </a:r>
+            <a:endParaRPr lang="zh-CN" altLang="en-US"/>
           </a:p>
           <a:p>
             <a:pPr lvl="3"/>
@@ -1524,6 +1299,7 @@
               <a:rPr lang="zh-CN" altLang="en-US"/>
               <a:t>四级</a:t>
             </a:r>
+            <a:endParaRPr lang="zh-CN" altLang="en-US"/>
           </a:p>
           <a:p>
             <a:pPr lvl="4"/>
@@ -1531,6 +1307,7 @@
               <a:rPr lang="zh-CN" altLang="en-US"/>
               <a:t>五级</a:t>
             </a:r>
+            <a:endParaRPr lang="zh-CN" altLang="en-US"/>
           </a:p>
         </p:txBody>
       </p:sp>
@@ -1551,7 +1328,6 @@
           <a:p>
             <a:fld id="{91C93C8A-D80A-4DE1-A999-215FD607DBE3}" type="datetime1">
               <a:rPr lang="zh-CN" altLang="en-US" smtClean="0"/>
-              <a:t>2022/5/28</a:t>
             </a:fld>
             <a:endParaRPr lang="zh-CN" altLang="en-US"/>
           </a:p>
@@ -1593,7 +1369,6 @@
           <a:p>
             <a:fld id="{519AEA81-C1FD-4B2C-87D1-3FA637539CC6}" type="slidenum">
               <a:rPr lang="zh-CN" altLang="en-US" smtClean="0"/>
-              <a:t>‹#›</a:t>
             </a:fld>
             <a:endParaRPr lang="zh-CN" altLang="en-US" dirty="0"/>
           </a:p>
@@ -1655,6 +1430,7 @@
               <a:rPr lang="zh-CN" altLang="en-US" dirty="0"/>
               <a:t>单击此处编辑母版标题样式</a:t>
             </a:r>
+            <a:endParaRPr lang="zh-CN" altLang="en-US" dirty="0"/>
           </a:p>
         </p:txBody>
       </p:sp>
@@ -1774,6 +1550,7 @@
               <a:rPr lang="zh-CN" altLang="en-US" dirty="0"/>
               <a:t>单击此处编辑母版文本样式</a:t>
             </a:r>
+            <a:endParaRPr lang="zh-CN" altLang="en-US" dirty="0"/>
           </a:p>
         </p:txBody>
       </p:sp>
@@ -1794,7 +1571,6 @@
           <a:p>
             <a:fld id="{1B426F48-097D-4E21-B763-D29753566D82}" type="datetime1">
               <a:rPr lang="zh-CN" altLang="en-US" smtClean="0"/>
-              <a:t>2022/5/28</a:t>
             </a:fld>
             <a:endParaRPr lang="zh-CN" altLang="en-US"/>
           </a:p>
@@ -1836,7 +1612,6 @@
           <a:p>
             <a:fld id="{519AEA81-C1FD-4B2C-87D1-3FA637539CC6}" type="slidenum">
               <a:rPr lang="zh-CN" altLang="en-US" smtClean="0"/>
-              <a:t>‹#›</a:t>
             </a:fld>
             <a:endParaRPr lang="zh-CN" altLang="en-US"/>
           </a:p>
@@ -1886,6 +1661,7 @@
               <a:rPr lang="zh-CN" altLang="en-US"/>
               <a:t>单击此处编辑母版标题样式</a:t>
             </a:r>
+            <a:endParaRPr lang="zh-CN" altLang="en-US"/>
           </a:p>
         </p:txBody>
       </p:sp>
@@ -1914,6 +1690,7 @@
               <a:rPr lang="zh-CN" altLang="en-US"/>
               <a:t>单击此处编辑母版文本样式</a:t>
             </a:r>
+            <a:endParaRPr lang="zh-CN" altLang="en-US"/>
           </a:p>
           <a:p>
             <a:pPr lvl="1"/>
@@ -1921,6 +1698,7 @@
               <a:rPr lang="zh-CN" altLang="en-US"/>
               <a:t>二级</a:t>
             </a:r>
+            <a:endParaRPr lang="zh-CN" altLang="en-US"/>
           </a:p>
           <a:p>
             <a:pPr lvl="2"/>
@@ -1928,6 +1706,7 @@
               <a:rPr lang="zh-CN" altLang="en-US"/>
               <a:t>三级</a:t>
             </a:r>
+            <a:endParaRPr lang="zh-CN" altLang="en-US"/>
           </a:p>
           <a:p>
             <a:pPr lvl="3"/>
@@ -1935,6 +1714,7 @@
               <a:rPr lang="zh-CN" altLang="en-US"/>
               <a:t>四级</a:t>
             </a:r>
+            <a:endParaRPr lang="zh-CN" altLang="en-US"/>
           </a:p>
           <a:p>
             <a:pPr lvl="4"/>
@@ -1942,6 +1722,7 @@
               <a:rPr lang="zh-CN" altLang="en-US"/>
               <a:t>五级</a:t>
             </a:r>
+            <a:endParaRPr lang="zh-CN" altLang="en-US"/>
           </a:p>
         </p:txBody>
       </p:sp>
@@ -1970,6 +1751,7 @@
               <a:rPr lang="zh-CN" altLang="en-US"/>
               <a:t>单击此处编辑母版文本样式</a:t>
             </a:r>
+            <a:endParaRPr lang="zh-CN" altLang="en-US"/>
           </a:p>
           <a:p>
             <a:pPr lvl="1"/>
@@ -1977,6 +1759,7 @@
               <a:rPr lang="zh-CN" altLang="en-US"/>
               <a:t>二级</a:t>
             </a:r>
+            <a:endParaRPr lang="zh-CN" altLang="en-US"/>
           </a:p>
           <a:p>
             <a:pPr lvl="2"/>
@@ -1984,6 +1767,7 @@
               <a:rPr lang="zh-CN" altLang="en-US"/>
               <a:t>三级</a:t>
             </a:r>
+            <a:endParaRPr lang="zh-CN" altLang="en-US"/>
           </a:p>
           <a:p>
             <a:pPr lvl="3"/>
@@ -1991,6 +1775,7 @@
               <a:rPr lang="zh-CN" altLang="en-US"/>
               <a:t>四级</a:t>
             </a:r>
+            <a:endParaRPr lang="zh-CN" altLang="en-US"/>
           </a:p>
           <a:p>
             <a:pPr lvl="4"/>
@@ -1998,6 +1783,7 @@
               <a:rPr lang="zh-CN" altLang="en-US"/>
               <a:t>五级</a:t>
             </a:r>
+            <a:endParaRPr lang="zh-CN" altLang="en-US"/>
           </a:p>
         </p:txBody>
       </p:sp>
@@ -2018,7 +1804,6 @@
           <a:p>
             <a:fld id="{493A7B37-EF3E-4286-9A7A-8A71F864A976}" type="datetime1">
               <a:rPr lang="zh-CN" altLang="en-US" smtClean="0"/>
-              <a:t>2022/5/28</a:t>
             </a:fld>
             <a:endParaRPr lang="zh-CN" altLang="en-US"/>
           </a:p>
@@ -2060,7 +1845,6 @@
           <a:p>
             <a:fld id="{519AEA81-C1FD-4B2C-87D1-3FA637539CC6}" type="slidenum">
               <a:rPr lang="zh-CN" altLang="en-US" smtClean="0"/>
-              <a:t>‹#›</a:t>
             </a:fld>
             <a:endParaRPr lang="zh-CN" altLang="en-US"/>
           </a:p>
@@ -2115,6 +1899,7 @@
               <a:rPr lang="zh-CN" altLang="en-US"/>
               <a:t>单击此处编辑母版标题样式</a:t>
             </a:r>
+            <a:endParaRPr lang="zh-CN" altLang="en-US"/>
           </a:p>
         </p:txBody>
       </p:sp>
@@ -2180,6 +1965,7 @@
               <a:rPr lang="zh-CN" altLang="en-US"/>
               <a:t>单击此处编辑母版文本样式</a:t>
             </a:r>
+            <a:endParaRPr lang="zh-CN" altLang="en-US"/>
           </a:p>
         </p:txBody>
       </p:sp>
@@ -2208,6 +1994,7 @@
               <a:rPr lang="zh-CN" altLang="en-US"/>
               <a:t>单击此处编辑母版文本样式</a:t>
             </a:r>
+            <a:endParaRPr lang="zh-CN" altLang="en-US"/>
           </a:p>
           <a:p>
             <a:pPr lvl="1"/>
@@ -2215,6 +2002,7 @@
               <a:rPr lang="zh-CN" altLang="en-US"/>
               <a:t>二级</a:t>
             </a:r>
+            <a:endParaRPr lang="zh-CN" altLang="en-US"/>
           </a:p>
           <a:p>
             <a:pPr lvl="2"/>
@@ -2222,6 +2010,7 @@
               <a:rPr lang="zh-CN" altLang="en-US"/>
               <a:t>三级</a:t>
             </a:r>
+            <a:endParaRPr lang="zh-CN" altLang="en-US"/>
           </a:p>
           <a:p>
             <a:pPr lvl="3"/>
@@ -2229,6 +2018,7 @@
               <a:rPr lang="zh-CN" altLang="en-US"/>
               <a:t>四级</a:t>
             </a:r>
+            <a:endParaRPr lang="zh-CN" altLang="en-US"/>
           </a:p>
           <a:p>
             <a:pPr lvl="4"/>
@@ -2236,6 +2026,7 @@
               <a:rPr lang="zh-CN" altLang="en-US"/>
               <a:t>五级</a:t>
             </a:r>
+            <a:endParaRPr lang="zh-CN" altLang="en-US"/>
           </a:p>
         </p:txBody>
       </p:sp>
@@ -2301,6 +2092,7 @@
               <a:rPr lang="zh-CN" altLang="en-US"/>
               <a:t>单击此处编辑母版文本样式</a:t>
             </a:r>
+            <a:endParaRPr lang="zh-CN" altLang="en-US"/>
           </a:p>
         </p:txBody>
       </p:sp>
@@ -2329,6 +2121,7 @@
               <a:rPr lang="zh-CN" altLang="en-US"/>
               <a:t>单击此处编辑母版文本样式</a:t>
             </a:r>
+            <a:endParaRPr lang="zh-CN" altLang="en-US"/>
           </a:p>
           <a:p>
             <a:pPr lvl="1"/>
@@ -2336,6 +2129,7 @@
               <a:rPr lang="zh-CN" altLang="en-US"/>
               <a:t>二级</a:t>
             </a:r>
+            <a:endParaRPr lang="zh-CN" altLang="en-US"/>
           </a:p>
           <a:p>
             <a:pPr lvl="2"/>
@@ -2343,6 +2137,7 @@
               <a:rPr lang="zh-CN" altLang="en-US"/>
               <a:t>三级</a:t>
             </a:r>
+            <a:endParaRPr lang="zh-CN" altLang="en-US"/>
           </a:p>
           <a:p>
             <a:pPr lvl="3"/>
@@ -2350,6 +2145,7 @@
               <a:rPr lang="zh-CN" altLang="en-US"/>
               <a:t>四级</a:t>
             </a:r>
+            <a:endParaRPr lang="zh-CN" altLang="en-US"/>
           </a:p>
           <a:p>
             <a:pPr lvl="4"/>
@@ -2357,6 +2153,7 @@
               <a:rPr lang="zh-CN" altLang="en-US"/>
               <a:t>五级</a:t>
             </a:r>
+            <a:endParaRPr lang="zh-CN" altLang="en-US"/>
           </a:p>
         </p:txBody>
       </p:sp>
@@ -2377,7 +2174,6 @@
           <a:p>
             <a:fld id="{EE865B14-2060-46DE-8771-7F348C538412}" type="datetime1">
               <a:rPr lang="zh-CN" altLang="en-US" smtClean="0"/>
-              <a:t>2022/5/28</a:t>
             </a:fld>
             <a:endParaRPr lang="zh-CN" altLang="en-US"/>
           </a:p>
@@ -2419,7 +2215,6 @@
           <a:p>
             <a:fld id="{519AEA81-C1FD-4B2C-87D1-3FA637539CC6}" type="slidenum">
               <a:rPr lang="zh-CN" altLang="en-US" smtClean="0"/>
-              <a:t>‹#›</a:t>
             </a:fld>
             <a:endParaRPr lang="zh-CN" altLang="en-US"/>
           </a:p>
@@ -2469,6 +2264,7 @@
               <a:rPr lang="zh-CN" altLang="en-US"/>
               <a:t>单击此处编辑母版标题样式</a:t>
             </a:r>
+            <a:endParaRPr lang="zh-CN" altLang="en-US"/>
           </a:p>
         </p:txBody>
       </p:sp>
@@ -2489,7 +2285,6 @@
           <a:p>
             <a:fld id="{85AF00BA-1A83-449D-8AEA-1E736981FE20}" type="datetime1">
               <a:rPr lang="zh-CN" altLang="en-US" smtClean="0"/>
-              <a:t>2022/5/28</a:t>
             </a:fld>
             <a:endParaRPr lang="zh-CN" altLang="en-US"/>
           </a:p>
@@ -2531,7 +2326,6 @@
           <a:p>
             <a:fld id="{519AEA81-C1FD-4B2C-87D1-3FA637539CC6}" type="slidenum">
               <a:rPr lang="zh-CN" altLang="en-US" smtClean="0"/>
-              <a:t>‹#›</a:t>
             </a:fld>
             <a:endParaRPr lang="zh-CN" altLang="en-US"/>
           </a:p>
@@ -2579,7 +2373,6 @@
           <a:p>
             <a:fld id="{65F816BB-10C1-4E24-9BB7-3D382288F272}" type="datetime1">
               <a:rPr lang="zh-CN" altLang="en-US" smtClean="0"/>
-              <a:t>2022/5/28</a:t>
             </a:fld>
             <a:endParaRPr lang="zh-CN" altLang="en-US"/>
           </a:p>
@@ -2621,7 +2414,6 @@
           <a:p>
             <a:fld id="{519AEA81-C1FD-4B2C-87D1-3FA637539CC6}" type="slidenum">
               <a:rPr lang="zh-CN" altLang="en-US" smtClean="0"/>
-              <a:t>‹#›</a:t>
             </a:fld>
             <a:endParaRPr lang="zh-CN" altLang="en-US"/>
           </a:p>
@@ -2680,6 +2472,7 @@
               <a:rPr lang="zh-CN" altLang="en-US"/>
               <a:t>单击此处编辑母版标题样式</a:t>
             </a:r>
+            <a:endParaRPr lang="zh-CN" altLang="en-US"/>
           </a:p>
         </p:txBody>
       </p:sp>
@@ -2736,6 +2529,7 @@
               <a:rPr lang="zh-CN" altLang="en-US"/>
               <a:t>单击此处编辑母版文本样式</a:t>
             </a:r>
+            <a:endParaRPr lang="zh-CN" altLang="en-US"/>
           </a:p>
           <a:p>
             <a:pPr lvl="1"/>
@@ -2743,6 +2537,7 @@
               <a:rPr lang="zh-CN" altLang="en-US"/>
               <a:t>二级</a:t>
             </a:r>
+            <a:endParaRPr lang="zh-CN" altLang="en-US"/>
           </a:p>
           <a:p>
             <a:pPr lvl="2"/>
@@ -2750,6 +2545,7 @@
               <a:rPr lang="zh-CN" altLang="en-US"/>
               <a:t>三级</a:t>
             </a:r>
+            <a:endParaRPr lang="zh-CN" altLang="en-US"/>
           </a:p>
           <a:p>
             <a:pPr lvl="3"/>
@@ -2757,6 +2553,7 @@
               <a:rPr lang="zh-CN" altLang="en-US"/>
               <a:t>四级</a:t>
             </a:r>
+            <a:endParaRPr lang="zh-CN" altLang="en-US"/>
           </a:p>
           <a:p>
             <a:pPr lvl="4"/>
@@ -2764,6 +2561,7 @@
               <a:rPr lang="zh-CN" altLang="en-US"/>
               <a:t>五级</a:t>
             </a:r>
+            <a:endParaRPr lang="zh-CN" altLang="en-US"/>
           </a:p>
         </p:txBody>
       </p:sp>
@@ -2829,6 +2627,7 @@
               <a:rPr lang="zh-CN" altLang="en-US"/>
               <a:t>单击此处编辑母版文本样式</a:t>
             </a:r>
+            <a:endParaRPr lang="zh-CN" altLang="en-US"/>
           </a:p>
         </p:txBody>
       </p:sp>
@@ -2849,7 +2648,6 @@
           <a:p>
             <a:fld id="{EDB3BA1B-C557-45E4-9C66-0434B6B2BC7D}" type="datetime1">
               <a:rPr lang="zh-CN" altLang="en-US" smtClean="0"/>
-              <a:t>2022/5/28</a:t>
             </a:fld>
             <a:endParaRPr lang="zh-CN" altLang="en-US"/>
           </a:p>
@@ -2891,7 +2689,6 @@
           <a:p>
             <a:fld id="{519AEA81-C1FD-4B2C-87D1-3FA637539CC6}" type="slidenum">
               <a:rPr lang="zh-CN" altLang="en-US" smtClean="0"/>
-              <a:t>‹#›</a:t>
             </a:fld>
             <a:endParaRPr lang="zh-CN" altLang="en-US"/>
           </a:p>
@@ -2950,6 +2747,7 @@
               <a:rPr lang="zh-CN" altLang="en-US"/>
               <a:t>单击此处编辑母版标题样式</a:t>
             </a:r>
+            <a:endParaRPr lang="zh-CN" altLang="en-US"/>
           </a:p>
         </p:txBody>
       </p:sp>
@@ -3076,6 +2874,7 @@
               <a:rPr lang="zh-CN" altLang="en-US"/>
               <a:t>单击此处编辑母版文本样式</a:t>
             </a:r>
+            <a:endParaRPr lang="zh-CN" altLang="en-US"/>
           </a:p>
         </p:txBody>
       </p:sp>
@@ -3096,7 +2895,6 @@
           <a:p>
             <a:fld id="{1940BD16-E0DE-4D56-BE59-0FECC58F0719}" type="datetime1">
               <a:rPr lang="zh-CN" altLang="en-US" smtClean="0"/>
-              <a:t>2022/5/28</a:t>
             </a:fld>
             <a:endParaRPr lang="zh-CN" altLang="en-US"/>
           </a:p>
@@ -3138,7 +2936,6 @@
           <a:p>
             <a:fld id="{519AEA81-C1FD-4B2C-87D1-3FA637539CC6}" type="slidenum">
               <a:rPr lang="zh-CN" altLang="en-US" smtClean="0"/>
-              <a:t>‹#›</a:t>
             </a:fld>
             <a:endParaRPr lang="zh-CN" altLang="en-US"/>
           </a:p>
@@ -3203,6 +3000,7 @@
               <a:rPr lang="zh-CN" altLang="en-US" dirty="0"/>
               <a:t>单击此处编辑母版标题样式</a:t>
             </a:r>
+            <a:endParaRPr lang="zh-CN" altLang="en-US" dirty="0"/>
           </a:p>
         </p:txBody>
       </p:sp>
@@ -3236,6 +3034,7 @@
               <a:rPr lang="zh-CN" altLang="en-US" dirty="0"/>
               <a:t>单击此处编辑母版文本样式</a:t>
             </a:r>
+            <a:endParaRPr lang="zh-CN" altLang="en-US" dirty="0"/>
           </a:p>
           <a:p>
             <a:pPr lvl="1"/>
@@ -3243,6 +3042,7 @@
               <a:rPr lang="zh-CN" altLang="en-US" dirty="0"/>
               <a:t>二级</a:t>
             </a:r>
+            <a:endParaRPr lang="zh-CN" altLang="en-US" dirty="0"/>
           </a:p>
           <a:p>
             <a:pPr lvl="2"/>
@@ -3250,6 +3050,7 @@
               <a:rPr lang="zh-CN" altLang="en-US" dirty="0"/>
               <a:t>三级</a:t>
             </a:r>
+            <a:endParaRPr lang="zh-CN" altLang="en-US" dirty="0"/>
           </a:p>
           <a:p>
             <a:pPr lvl="3"/>
@@ -3257,6 +3058,7 @@
               <a:rPr lang="zh-CN" altLang="en-US" dirty="0"/>
               <a:t>四级</a:t>
             </a:r>
+            <a:endParaRPr lang="zh-CN" altLang="en-US" dirty="0"/>
           </a:p>
           <a:p>
             <a:pPr lvl="4"/>
@@ -3264,6 +3066,7 @@
               <a:rPr lang="zh-CN" altLang="en-US" dirty="0"/>
               <a:t>五级</a:t>
             </a:r>
+            <a:endParaRPr lang="zh-CN" altLang="en-US" dirty="0"/>
           </a:p>
         </p:txBody>
       </p:sp>
@@ -3302,7 +3105,6 @@
           <a:p>
             <a:fld id="{A1C7E667-A427-4A7F-A6E1-89474718F88F}" type="datetime1">
               <a:rPr lang="zh-CN" altLang="en-US" smtClean="0"/>
-              <a:t>2022/5/28</a:t>
             </a:fld>
             <a:endParaRPr lang="zh-CN" altLang="en-US"/>
           </a:p>
@@ -3380,7 +3182,6 @@
           <a:p>
             <a:fld id="{519AEA81-C1FD-4B2C-87D1-3FA637539CC6}" type="slidenum">
               <a:rPr lang="zh-CN" altLang="en-US" smtClean="0"/>
-              <a:t>‹#›</a:t>
             </a:fld>
             <a:endParaRPr lang="zh-CN" altLang="en-US"/>
           </a:p>
@@ -3479,7 +3280,7 @@
         <a:spcBef>
           <a:spcPts val="1000"/>
         </a:spcBef>
-        <a:buFont typeface="Arial" panose="020B0604020202090204" pitchFamily="34" charset="0"/>
+        <a:buFont typeface="Arial" panose="020B0604020202020204" pitchFamily="34" charset="0"/>
         <a:buChar char="•"/>
         <a:defRPr sz="2800" kern="1200">
           <a:solidFill>
@@ -3497,7 +3298,7 @@
         <a:spcBef>
           <a:spcPts val="500"/>
         </a:spcBef>
-        <a:buFont typeface="Arial" panose="020B0604020202090204" pitchFamily="34" charset="0"/>
+        <a:buFont typeface="Arial" panose="020B0604020202020204" pitchFamily="34" charset="0"/>
         <a:buChar char="•"/>
         <a:defRPr sz="2400" kern="1200">
           <a:solidFill>
@@ -3515,7 +3316,7 @@
         <a:spcBef>
           <a:spcPts val="500"/>
         </a:spcBef>
-        <a:buFont typeface="Arial" panose="020B0604020202090204" pitchFamily="34" charset="0"/>
+        <a:buFont typeface="Arial" panose="020B0604020202020204" pitchFamily="34" charset="0"/>
         <a:buChar char="•"/>
         <a:defRPr sz="2000" kern="1200">
           <a:solidFill>
@@ -3533,7 +3334,7 @@
         <a:spcBef>
           <a:spcPts val="500"/>
         </a:spcBef>
-        <a:buFont typeface="Arial" panose="020B0604020202090204" pitchFamily="34" charset="0"/>
+        <a:buFont typeface="Arial" panose="020B0604020202020204" pitchFamily="34" charset="0"/>
         <a:buChar char="•"/>
         <a:defRPr sz="1800" kern="1200">
           <a:solidFill>
@@ -3551,7 +3352,7 @@
         <a:spcBef>
           <a:spcPts val="500"/>
         </a:spcBef>
-        <a:buFont typeface="Arial" panose="020B0604020202090204" pitchFamily="34" charset="0"/>
+        <a:buFont typeface="Arial" panose="020B0604020202020204" pitchFamily="34" charset="0"/>
         <a:buChar char="•"/>
         <a:defRPr sz="1800" kern="1200">
           <a:solidFill>
@@ -3569,7 +3370,7 @@
         <a:spcBef>
           <a:spcPts val="500"/>
         </a:spcBef>
-        <a:buFont typeface="Arial" panose="020B0604020202090204" pitchFamily="34" charset="0"/>
+        <a:buFont typeface="Arial" panose="020B0604020202020204" pitchFamily="34" charset="0"/>
         <a:buChar char="•"/>
         <a:defRPr sz="1800" kern="1200">
           <a:solidFill>
@@ -3587,7 +3388,7 @@
         <a:spcBef>
           <a:spcPts val="500"/>
         </a:spcBef>
-        <a:buFont typeface="Arial" panose="020B0604020202090204" pitchFamily="34" charset="0"/>
+        <a:buFont typeface="Arial" panose="020B0604020202020204" pitchFamily="34" charset="0"/>
         <a:buChar char="•"/>
         <a:defRPr sz="1800" kern="1200">
           <a:solidFill>
@@ -3605,7 +3406,7 @@
         <a:spcBef>
           <a:spcPts val="500"/>
         </a:spcBef>
-        <a:buFont typeface="Arial" panose="020B0604020202090204" pitchFamily="34" charset="0"/>
+        <a:buFont typeface="Arial" panose="020B0604020202020204" pitchFamily="34" charset="0"/>
         <a:buChar char="•"/>
         <a:defRPr sz="1800" kern="1200">
           <a:solidFill>
@@ -3623,7 +3424,7 @@
         <a:spcBef>
           <a:spcPts val="500"/>
         </a:spcBef>
-        <a:buFont typeface="Arial" panose="020B0604020202090204" pitchFamily="34" charset="0"/>
+        <a:buFont typeface="Arial" panose="020B0604020202020204" pitchFamily="34" charset="0"/>
         <a:buChar char="•"/>
         <a:defRPr sz="1800" kern="1200">
           <a:solidFill>
@@ -3776,6 +3577,7 @@
               <a:rPr lang="zh-CN" altLang="en-US" dirty="0"/>
               <a:t>进度汇报</a:t>
             </a:r>
+            <a:endParaRPr lang="zh-CN" altLang="en-US" dirty="0"/>
           </a:p>
         </p:txBody>
       </p:sp>
@@ -3798,6 +3600,7 @@
               <a:rPr lang="zh-CN" altLang="en-US" dirty="0"/>
               <a:t>刘松铭 于子淳</a:t>
             </a:r>
+            <a:endParaRPr lang="zh-CN" altLang="en-US" dirty="0"/>
           </a:p>
         </p:txBody>
       </p:sp>
@@ -3818,7 +3621,6 @@
           <a:p>
             <a:fld id="{519AEA81-C1FD-4B2C-87D1-3FA637539CC6}" type="slidenum">
               <a:rPr lang="zh-CN" altLang="en-US" smtClean="0"/>
-              <a:t>1</a:t>
             </a:fld>
             <a:endParaRPr lang="zh-CN" altLang="en-US" dirty="0"/>
           </a:p>
@@ -3868,6 +3670,7 @@
               <a:rPr lang="zh-CN" altLang="en-US" dirty="0"/>
               <a:t>进度汇报</a:t>
             </a:r>
+            <a:endParaRPr lang="zh-CN" altLang="en-US" dirty="0"/>
           </a:p>
         </p:txBody>
       </p:sp>
@@ -3897,7 +3700,50 @@
               <a:rPr lang="zh-CN" altLang="en-US" dirty="0"/>
               <a:t>于子淳</a:t>
             </a:r>
-            <a:endParaRPr lang="en-US" altLang="zh-CN" dirty="0"/>
+            <a:endParaRPr lang="zh-CN" altLang="en-US" dirty="0"/>
+          </a:p>
+          <a:p>
+            <a:r>
+              <a:rPr lang="zh-CN" altLang="en-US" dirty="0"/>
+              <a:t>解决了两个较为关键的</a:t>
+            </a:r>
+            <a:r>
+              <a:rPr lang="zh-CN" altLang="en-US" dirty="0"/>
+              <a:t>问题，跑通所有调度</a:t>
+            </a:r>
+            <a:r>
+              <a:rPr lang="zh-CN" altLang="en-US" dirty="0"/>
+              <a:t>模式</a:t>
+            </a:r>
+            <a:endParaRPr lang="zh-CN" altLang="en-US" dirty="0"/>
+          </a:p>
+          <a:p>
+            <a:endParaRPr lang="zh-CN" altLang="en-US" dirty="0"/>
+          </a:p>
+          <a:p>
+            <a:endParaRPr lang="zh-CN" altLang="en-US" dirty="0"/>
+          </a:p>
+          <a:p>
+            <a:endParaRPr lang="zh-CN" altLang="en-US" dirty="0"/>
+          </a:p>
+          <a:p>
+            <a:endParaRPr lang="zh-CN" altLang="en-US" dirty="0"/>
+          </a:p>
+          <a:p>
+            <a:endParaRPr lang="zh-CN" altLang="en-US" dirty="0"/>
+          </a:p>
+          <a:p>
+            <a:endParaRPr lang="zh-CN" altLang="en-US" dirty="0"/>
+          </a:p>
+          <a:p>
+            <a:endParaRPr lang="zh-CN" altLang="en-US" dirty="0"/>
+          </a:p>
+          <a:p>
+            <a:r>
+              <a:rPr lang="zh-CN" altLang="en-US" dirty="0"/>
+              <a:t>kernel-sync 仓库死锁问题已由张译仁助教解决</a:t>
+            </a:r>
+            <a:endParaRPr lang="zh-CN" altLang="en-US" dirty="0"/>
           </a:p>
           <a:p>
             <a:endParaRPr lang="zh-CN" altLang="en-US" dirty="0"/>
@@ -3921,9 +3767,593 @@
           <a:p>
             <a:fld id="{519AEA81-C1FD-4B2C-87D1-3FA637539CC6}" type="slidenum">
               <a:rPr lang="zh-CN" altLang="en-US" smtClean="0"/>
-              <a:t>2</a:t>
             </a:fld>
             <a:endParaRPr lang="zh-CN" altLang="en-US" dirty="0"/>
+          </a:p>
+        </p:txBody>
+      </p:sp>
+      <p:sp>
+        <p:nvSpPr>
+          <p:cNvPr id="5" name="圆角矩形 4"/>
+          <p:cNvSpPr/>
+          <p:nvPr/>
+        </p:nvSpPr>
+        <p:spPr>
+          <a:xfrm>
+            <a:off x="1098550" y="2983230"/>
+            <a:ext cx="1953260" cy="1198880"/>
+          </a:xfrm>
+          <a:prstGeom prst="roundRect">
+            <a:avLst/>
+          </a:prstGeom>
+          <a:noFill/>
+          <a:ln w="25400">
+            <a:solidFill>
+              <a:schemeClr val="tx1"/>
+            </a:solidFill>
+          </a:ln>
+        </p:spPr>
+        <p:style>
+          <a:lnRef idx="2">
+            <a:schemeClr val="accent1">
+              <a:shade val="50000"/>
+            </a:schemeClr>
+          </a:lnRef>
+          <a:fillRef idx="1">
+            <a:schemeClr val="accent1"/>
+          </a:fillRef>
+          <a:effectRef idx="0">
+            <a:schemeClr val="accent1"/>
+          </a:effectRef>
+          <a:fontRef idx="minor">
+            <a:schemeClr val="lt1"/>
+          </a:fontRef>
+        </p:style>
+        <p:txBody>
+          <a:bodyPr rtlCol="0" anchor="ctr"/>
+          <a:p>
+            <a:pPr algn="ctr"/>
+            <a:endParaRPr lang="zh-CN" altLang="en-US"/>
+          </a:p>
+        </p:txBody>
+      </p:sp>
+      <p:sp>
+        <p:nvSpPr>
+          <p:cNvPr id="6" name="文本框 5"/>
+          <p:cNvSpPr txBox="1"/>
+          <p:nvPr/>
+        </p:nvSpPr>
+        <p:spPr>
+          <a:xfrm>
+            <a:off x="1229995" y="3352800"/>
+            <a:ext cx="2279015" cy="460375"/>
+          </a:xfrm>
+          <a:prstGeom prst="rect">
+            <a:avLst/>
+          </a:prstGeom>
+          <a:noFill/>
+        </p:spPr>
+        <p:txBody>
+          <a:bodyPr wrap="square" rtlCol="0">
+            <a:spAutoFit/>
+          </a:bodyPr>
+          <a:p>
+            <a:pPr algn="l"/>
+            <a:r>
+              <a:rPr lang="zh-CN" altLang="en-US" sz="2400" dirty="0">
+                <a:latin typeface="微软雅黑" panose="020B0503020204020204" pitchFamily="34" charset="-122"/>
+                <a:ea typeface="微软雅黑" panose="020B0503020204020204" pitchFamily="34" charset="-122"/>
+              </a:rPr>
+              <a:t>单核调度器</a:t>
+            </a:r>
+            <a:endParaRPr lang="zh-CN" altLang="en-US" sz="2400" dirty="0">
+              <a:latin typeface="微软雅黑" panose="020B0503020204020204" pitchFamily="34" charset="-122"/>
+              <a:ea typeface="微软雅黑" panose="020B0503020204020204" pitchFamily="34" charset="-122"/>
+            </a:endParaRPr>
+          </a:p>
+        </p:txBody>
+      </p:sp>
+      <p:sp>
+        <p:nvSpPr>
+          <p:cNvPr id="7" name="圆角矩形 6"/>
+          <p:cNvSpPr/>
+          <p:nvPr/>
+        </p:nvSpPr>
+        <p:spPr>
+          <a:xfrm>
+            <a:off x="1098550" y="4594225"/>
+            <a:ext cx="1953260" cy="1198880"/>
+          </a:xfrm>
+          <a:prstGeom prst="roundRect">
+            <a:avLst/>
+          </a:prstGeom>
+          <a:noFill/>
+          <a:ln w="25400">
+            <a:solidFill>
+              <a:schemeClr val="tx1"/>
+            </a:solidFill>
+          </a:ln>
+        </p:spPr>
+        <p:style>
+          <a:lnRef idx="2">
+            <a:schemeClr val="accent1">
+              <a:shade val="50000"/>
+            </a:schemeClr>
+          </a:lnRef>
+          <a:fillRef idx="1">
+            <a:schemeClr val="accent1"/>
+          </a:fillRef>
+          <a:effectRef idx="0">
+            <a:schemeClr val="accent1"/>
+          </a:effectRef>
+          <a:fontRef idx="minor">
+            <a:schemeClr val="lt1"/>
+          </a:fontRef>
+        </p:style>
+        <p:txBody>
+          <a:bodyPr rtlCol="0" anchor="ctr"/>
+          <a:p>
+            <a:pPr algn="ctr"/>
+            <a:endParaRPr lang="zh-CN" altLang="en-US"/>
+          </a:p>
+        </p:txBody>
+      </p:sp>
+      <p:sp>
+        <p:nvSpPr>
+          <p:cNvPr id="8" name="文本框 7"/>
+          <p:cNvSpPr txBox="1"/>
+          <p:nvPr/>
+        </p:nvSpPr>
+        <p:spPr>
+          <a:xfrm>
+            <a:off x="1229995" y="4963795"/>
+            <a:ext cx="2279015" cy="460375"/>
+          </a:xfrm>
+          <a:prstGeom prst="rect">
+            <a:avLst/>
+          </a:prstGeom>
+          <a:noFill/>
+        </p:spPr>
+        <p:txBody>
+          <a:bodyPr wrap="square" rtlCol="0">
+            <a:spAutoFit/>
+          </a:bodyPr>
+          <a:p>
+            <a:pPr algn="l"/>
+            <a:r>
+              <a:rPr lang="zh-CN" altLang="en-US" sz="2400" dirty="0">
+                <a:latin typeface="微软雅黑" panose="020B0503020204020204" pitchFamily="34" charset="-122"/>
+                <a:ea typeface="微软雅黑" panose="020B0503020204020204" pitchFamily="34" charset="-122"/>
+              </a:rPr>
+              <a:t>多核调度器</a:t>
+            </a:r>
+            <a:endParaRPr lang="zh-CN" altLang="en-US" sz="2400" dirty="0">
+              <a:latin typeface="微软雅黑" panose="020B0503020204020204" pitchFamily="34" charset="-122"/>
+              <a:ea typeface="微软雅黑" panose="020B0503020204020204" pitchFamily="34" charset="-122"/>
+            </a:endParaRPr>
+          </a:p>
+        </p:txBody>
+      </p:sp>
+      <p:cxnSp>
+        <p:nvCxnSpPr>
+          <p:cNvPr id="10" name="直接箭头连接符 9"/>
+          <p:cNvCxnSpPr/>
+          <p:nvPr/>
+        </p:nvCxnSpPr>
+        <p:spPr>
+          <a:xfrm>
+            <a:off x="3051810" y="3583305"/>
+            <a:ext cx="2352040" cy="0"/>
+          </a:xfrm>
+          <a:prstGeom prst="straightConnector1">
+            <a:avLst/>
+          </a:prstGeom>
+          <a:ln w="31750">
+            <a:tailEnd type="arrow"/>
+          </a:ln>
+        </p:spPr>
+        <p:style>
+          <a:lnRef idx="1">
+            <a:schemeClr val="dk1"/>
+          </a:lnRef>
+          <a:fillRef idx="0">
+            <a:schemeClr val="dk1"/>
+          </a:fillRef>
+          <a:effectRef idx="0">
+            <a:schemeClr val="dk1"/>
+          </a:effectRef>
+          <a:fontRef idx="minor">
+            <a:schemeClr val="tx1"/>
+          </a:fontRef>
+        </p:style>
+      </p:cxnSp>
+      <p:cxnSp>
+        <p:nvCxnSpPr>
+          <p:cNvPr id="11" name="直接箭头连接符 10"/>
+          <p:cNvCxnSpPr/>
+          <p:nvPr/>
+        </p:nvCxnSpPr>
+        <p:spPr>
+          <a:xfrm flipV="1">
+            <a:off x="3051810" y="3813175"/>
+            <a:ext cx="2320925" cy="1405890"/>
+          </a:xfrm>
+          <a:prstGeom prst="straightConnector1">
+            <a:avLst/>
+          </a:prstGeom>
+          <a:ln w="31750">
+            <a:tailEnd type="arrow"/>
+          </a:ln>
+        </p:spPr>
+        <p:style>
+          <a:lnRef idx="1">
+            <a:schemeClr val="dk1"/>
+          </a:lnRef>
+          <a:fillRef idx="0">
+            <a:schemeClr val="dk1"/>
+          </a:fillRef>
+          <a:effectRef idx="0">
+            <a:schemeClr val="dk1"/>
+          </a:effectRef>
+          <a:fontRef idx="minor">
+            <a:schemeClr val="tx1"/>
+          </a:fontRef>
+        </p:style>
+      </p:cxnSp>
+      <p:cxnSp>
+        <p:nvCxnSpPr>
+          <p:cNvPr id="12" name="直接箭头连接符 11"/>
+          <p:cNvCxnSpPr/>
+          <p:nvPr/>
+        </p:nvCxnSpPr>
+        <p:spPr>
+          <a:xfrm>
+            <a:off x="3051810" y="3698240"/>
+            <a:ext cx="2425065" cy="1560195"/>
+          </a:xfrm>
+          <a:prstGeom prst="straightConnector1">
+            <a:avLst/>
+          </a:prstGeom>
+          <a:ln w="31750" cmpd="sng">
+            <a:solidFill>
+              <a:schemeClr val="tx1"/>
+            </a:solidFill>
+            <a:prstDash val="sysDot"/>
+            <a:tailEnd type="arrow"/>
+          </a:ln>
+        </p:spPr>
+        <p:style>
+          <a:lnRef idx="1">
+            <a:schemeClr val="dk1"/>
+          </a:lnRef>
+          <a:fillRef idx="0">
+            <a:schemeClr val="dk1"/>
+          </a:fillRef>
+          <a:effectRef idx="0">
+            <a:schemeClr val="dk1"/>
+          </a:effectRef>
+          <a:fontRef idx="minor">
+            <a:schemeClr val="tx1"/>
+          </a:fontRef>
+        </p:style>
+      </p:cxnSp>
+      <p:sp>
+        <p:nvSpPr>
+          <p:cNvPr id="13" name="圆角矩形 12"/>
+          <p:cNvSpPr/>
+          <p:nvPr/>
+        </p:nvSpPr>
+        <p:spPr>
+          <a:xfrm>
+            <a:off x="5463540" y="2983865"/>
+            <a:ext cx="1953260" cy="1198880"/>
+          </a:xfrm>
+          <a:prstGeom prst="roundRect">
+            <a:avLst/>
+          </a:prstGeom>
+          <a:noFill/>
+          <a:ln w="25400">
+            <a:solidFill>
+              <a:schemeClr val="tx1"/>
+            </a:solidFill>
+          </a:ln>
+        </p:spPr>
+        <p:style>
+          <a:lnRef idx="2">
+            <a:schemeClr val="accent1">
+              <a:shade val="50000"/>
+            </a:schemeClr>
+          </a:lnRef>
+          <a:fillRef idx="1">
+            <a:schemeClr val="accent1"/>
+          </a:fillRef>
+          <a:effectRef idx="0">
+            <a:schemeClr val="accent1"/>
+          </a:effectRef>
+          <a:fontRef idx="minor">
+            <a:schemeClr val="lt1"/>
+          </a:fontRef>
+        </p:style>
+        <p:txBody>
+          <a:bodyPr rtlCol="0" anchor="ctr"/>
+          <a:p>
+            <a:pPr algn="ctr"/>
+            <a:endParaRPr lang="zh-CN" altLang="en-US"/>
+          </a:p>
+        </p:txBody>
+      </p:sp>
+      <p:sp>
+        <p:nvSpPr>
+          <p:cNvPr id="14" name="文本框 13"/>
+          <p:cNvSpPr txBox="1"/>
+          <p:nvPr/>
+        </p:nvSpPr>
+        <p:spPr>
+          <a:xfrm>
+            <a:off x="5594985" y="3353435"/>
+            <a:ext cx="2279015" cy="460375"/>
+          </a:xfrm>
+          <a:prstGeom prst="rect">
+            <a:avLst/>
+          </a:prstGeom>
+          <a:noFill/>
+        </p:spPr>
+        <p:txBody>
+          <a:bodyPr wrap="square" rtlCol="0">
+            <a:spAutoFit/>
+          </a:bodyPr>
+          <a:p>
+            <a:pPr algn="l"/>
+            <a:r>
+              <a:rPr lang="zh-CN" altLang="en-US" sz="2400" dirty="0">
+                <a:latin typeface="微软雅黑" panose="020B0503020204020204" pitchFamily="34" charset="-122"/>
+                <a:ea typeface="微软雅黑" panose="020B0503020204020204" pitchFamily="34" charset="-122"/>
+              </a:rPr>
+              <a:t>单核</a:t>
+            </a:r>
+            <a:r>
+              <a:rPr lang="en-US" altLang="zh-CN" sz="2400" dirty="0">
+                <a:latin typeface="微软雅黑" panose="020B0503020204020204" pitchFamily="34" charset="-122"/>
+                <a:ea typeface="微软雅黑" panose="020B0503020204020204" pitchFamily="34" charset="-122"/>
+              </a:rPr>
+              <a:t> z</a:t>
+            </a:r>
+            <a:r>
+              <a:rPr lang="en-US" altLang="zh-CN" sz="2400" dirty="0">
+                <a:latin typeface="微软雅黑" panose="020B0503020204020204" pitchFamily="34" charset="-122"/>
+                <a:ea typeface="微软雅黑" panose="020B0503020204020204" pitchFamily="34" charset="-122"/>
+              </a:rPr>
+              <a:t>Core</a:t>
+            </a:r>
+            <a:endParaRPr lang="en-US" altLang="zh-CN" sz="2400" dirty="0">
+              <a:latin typeface="微软雅黑" panose="020B0503020204020204" pitchFamily="34" charset="-122"/>
+              <a:ea typeface="微软雅黑" panose="020B0503020204020204" pitchFamily="34" charset="-122"/>
+            </a:endParaRPr>
+          </a:p>
+        </p:txBody>
+      </p:sp>
+      <p:sp>
+        <p:nvSpPr>
+          <p:cNvPr id="15" name="圆角矩形 14"/>
+          <p:cNvSpPr/>
+          <p:nvPr/>
+        </p:nvSpPr>
+        <p:spPr>
+          <a:xfrm>
+            <a:off x="5527675" y="4594225"/>
+            <a:ext cx="1953260" cy="1198880"/>
+          </a:xfrm>
+          <a:prstGeom prst="roundRect">
+            <a:avLst/>
+          </a:prstGeom>
+          <a:noFill/>
+          <a:ln w="25400">
+            <a:solidFill>
+              <a:schemeClr val="tx1"/>
+            </a:solidFill>
+          </a:ln>
+        </p:spPr>
+        <p:style>
+          <a:lnRef idx="2">
+            <a:schemeClr val="accent1">
+              <a:shade val="50000"/>
+            </a:schemeClr>
+          </a:lnRef>
+          <a:fillRef idx="1">
+            <a:schemeClr val="accent1"/>
+          </a:fillRef>
+          <a:effectRef idx="0">
+            <a:schemeClr val="accent1"/>
+          </a:effectRef>
+          <a:fontRef idx="minor">
+            <a:schemeClr val="lt1"/>
+          </a:fontRef>
+        </p:style>
+        <p:txBody>
+          <a:bodyPr rtlCol="0" anchor="ctr"/>
+          <a:p>
+            <a:pPr algn="ctr"/>
+            <a:endParaRPr lang="zh-CN" altLang="en-US"/>
+          </a:p>
+        </p:txBody>
+      </p:sp>
+      <p:sp>
+        <p:nvSpPr>
+          <p:cNvPr id="16" name="文本框 15"/>
+          <p:cNvSpPr txBox="1"/>
+          <p:nvPr/>
+        </p:nvSpPr>
+        <p:spPr>
+          <a:xfrm>
+            <a:off x="5659120" y="4963795"/>
+            <a:ext cx="2279015" cy="460375"/>
+          </a:xfrm>
+          <a:prstGeom prst="rect">
+            <a:avLst/>
+          </a:prstGeom>
+          <a:noFill/>
+        </p:spPr>
+        <p:txBody>
+          <a:bodyPr wrap="square" rtlCol="0">
+            <a:spAutoFit/>
+          </a:bodyPr>
+          <a:p>
+            <a:pPr algn="l"/>
+            <a:r>
+              <a:rPr lang="zh-CN" altLang="en-US" sz="2400" dirty="0">
+                <a:latin typeface="微软雅黑" panose="020B0503020204020204" pitchFamily="34" charset="-122"/>
+                <a:ea typeface="微软雅黑" panose="020B0503020204020204" pitchFamily="34" charset="-122"/>
+              </a:rPr>
+              <a:t>多核</a:t>
+            </a:r>
+            <a:r>
+              <a:rPr lang="en-US" altLang="zh-CN" sz="2400" dirty="0">
+                <a:latin typeface="微软雅黑" panose="020B0503020204020204" pitchFamily="34" charset="-122"/>
+                <a:ea typeface="微软雅黑" panose="020B0503020204020204" pitchFamily="34" charset="-122"/>
+              </a:rPr>
+              <a:t> z</a:t>
+            </a:r>
+            <a:r>
+              <a:rPr lang="en-US" altLang="zh-CN" sz="2400" dirty="0">
+                <a:latin typeface="微软雅黑" panose="020B0503020204020204" pitchFamily="34" charset="-122"/>
+                <a:ea typeface="微软雅黑" panose="020B0503020204020204" pitchFamily="34" charset="-122"/>
+              </a:rPr>
+              <a:t>Core</a:t>
+            </a:r>
+            <a:endParaRPr lang="en-US" altLang="zh-CN" sz="2400" dirty="0">
+              <a:latin typeface="微软雅黑" panose="020B0503020204020204" pitchFamily="34" charset="-122"/>
+              <a:ea typeface="微软雅黑" panose="020B0503020204020204" pitchFamily="34" charset="-122"/>
+            </a:endParaRPr>
+          </a:p>
+        </p:txBody>
+      </p:sp>
+      <p:cxnSp>
+        <p:nvCxnSpPr>
+          <p:cNvPr id="17" name="直接箭头连接符 16"/>
+          <p:cNvCxnSpPr/>
+          <p:nvPr/>
+        </p:nvCxnSpPr>
+        <p:spPr>
+          <a:xfrm>
+            <a:off x="3038475" y="5299710"/>
+            <a:ext cx="2462530" cy="0"/>
+          </a:xfrm>
+          <a:prstGeom prst="straightConnector1">
+            <a:avLst/>
+          </a:prstGeom>
+          <a:ln w="31750" cmpd="sng">
+            <a:solidFill>
+              <a:schemeClr val="tx1"/>
+            </a:solidFill>
+            <a:prstDash val="sysDot"/>
+            <a:tailEnd type="arrow"/>
+          </a:ln>
+        </p:spPr>
+        <p:style>
+          <a:lnRef idx="1">
+            <a:schemeClr val="dk1"/>
+          </a:lnRef>
+          <a:fillRef idx="0">
+            <a:schemeClr val="dk1"/>
+          </a:fillRef>
+          <a:effectRef idx="0">
+            <a:schemeClr val="dk1"/>
+          </a:effectRef>
+          <a:fontRef idx="minor">
+            <a:schemeClr val="tx1"/>
+          </a:fontRef>
+        </p:style>
+      </p:cxnSp>
+      <p:sp>
+        <p:nvSpPr>
+          <p:cNvPr id="18" name="文本框 17"/>
+          <p:cNvSpPr txBox="1"/>
+          <p:nvPr/>
+        </p:nvSpPr>
+        <p:spPr>
+          <a:xfrm>
+            <a:off x="7785735" y="3167380"/>
+            <a:ext cx="3046730" cy="829945"/>
+          </a:xfrm>
+          <a:prstGeom prst="rect">
+            <a:avLst/>
+          </a:prstGeom>
+          <a:noFill/>
+        </p:spPr>
+        <p:txBody>
+          <a:bodyPr wrap="square" rtlCol="0">
+            <a:spAutoFit/>
+          </a:bodyPr>
+          <a:p>
+            <a:pPr algn="l"/>
+            <a:r>
+              <a:rPr lang="zh-CN" altLang="en-US" sz="2400" dirty="0">
+                <a:latin typeface="微软雅黑" panose="020B0503020204020204" pitchFamily="34" charset="-122"/>
+                <a:ea typeface="微软雅黑" panose="020B0503020204020204" pitchFamily="34" charset="-122"/>
+              </a:rPr>
+              <a:t>单核调度器跑多核 有</a:t>
+            </a:r>
+            <a:r>
+              <a:rPr lang="zh-CN" altLang="en-US" sz="2400" dirty="0">
+                <a:latin typeface="微软雅黑" panose="020B0503020204020204" pitchFamily="34" charset="-122"/>
+                <a:ea typeface="微软雅黑" panose="020B0503020204020204" pitchFamily="34" charset="-122"/>
+              </a:rPr>
+              <a:t>概率会</a:t>
+            </a:r>
+            <a:r>
+              <a:rPr lang="en-US" altLang="zh-CN" sz="2400" dirty="0">
+                <a:latin typeface="微软雅黑" panose="020B0503020204020204" pitchFamily="34" charset="-122"/>
+                <a:ea typeface="微软雅黑" panose="020B0503020204020204" pitchFamily="34" charset="-122"/>
+              </a:rPr>
+              <a:t> </a:t>
+            </a:r>
+            <a:r>
+              <a:rPr lang="zh-CN" altLang="en-US" sz="2400" dirty="0">
+                <a:latin typeface="微软雅黑" panose="020B0503020204020204" pitchFamily="34" charset="-122"/>
+                <a:ea typeface="微软雅黑" panose="020B0503020204020204" pitchFamily="34" charset="-122"/>
+              </a:rPr>
+              <a:t>sleep 卡死</a:t>
+            </a:r>
+            <a:endParaRPr lang="zh-CN" altLang="en-US" sz="2400" dirty="0">
+              <a:latin typeface="微软雅黑" panose="020B0503020204020204" pitchFamily="34" charset="-122"/>
+              <a:ea typeface="微软雅黑" panose="020B0503020204020204" pitchFamily="34" charset="-122"/>
+            </a:endParaRPr>
+          </a:p>
+        </p:txBody>
+      </p:sp>
+      <p:sp>
+        <p:nvSpPr>
+          <p:cNvPr id="19" name="文本框 18"/>
+          <p:cNvSpPr txBox="1"/>
+          <p:nvPr/>
+        </p:nvSpPr>
+        <p:spPr>
+          <a:xfrm>
+            <a:off x="7785735" y="4669790"/>
+            <a:ext cx="3456305" cy="829945"/>
+          </a:xfrm>
+          <a:prstGeom prst="rect">
+            <a:avLst/>
+          </a:prstGeom>
+          <a:noFill/>
+        </p:spPr>
+        <p:txBody>
+          <a:bodyPr wrap="square" rtlCol="0">
+            <a:spAutoFit/>
+          </a:bodyPr>
+          <a:p>
+            <a:pPr algn="l"/>
+            <a:r>
+              <a:rPr sz="2400" dirty="0">
+                <a:latin typeface="微软雅黑" panose="020B0503020204020204" pitchFamily="34" charset="-122"/>
+                <a:ea typeface="微软雅黑" panose="020B0503020204020204" pitchFamily="34" charset="-122"/>
+              </a:rPr>
+              <a:t>多核调度器跑多核 shell 有概率没法进行输入</a:t>
+            </a:r>
+            <a:endParaRPr sz="2400" dirty="0">
+              <a:latin typeface="微软雅黑" panose="020B0503020204020204" pitchFamily="34" charset="-122"/>
+              <a:ea typeface="微软雅黑" panose="020B0503020204020204" pitchFamily="34" charset="-122"/>
+            </a:endParaRPr>
           </a:p>
         </p:txBody>
       </p:sp>
@@ -3944,23 +4374,10 @@
         <p:cNvGrpSpPr/>
         <p:nvPr/>
       </p:nvGrpSpPr>
-      <p:grpSpPr>
-        <a:xfrm>
-          <a:off x="0" y="0"/>
-          <a:ext cx="0" cy="0"/>
-          <a:chOff x="0" y="0"/>
-          <a:chExt cx="0" cy="0"/>
-        </a:xfrm>
-      </p:grpSpPr>
-      <p:sp>
-        <p:nvSpPr>
-          <p:cNvPr id="2" name="标题 1">
-            <a:extLst>
-              <a:ext uri="{FF2B5EF4-FFF2-40B4-BE49-F238E27FC236}">
-                <a16:creationId xmlns:a16="http://schemas.microsoft.com/office/drawing/2014/main" id="{606FBA64-85B3-0BC3-589B-CF813B34D88F}"/>
-              </a:ext>
-            </a:extLst>
-          </p:cNvPr>
+      <p:grpSpPr/>
+      <p:sp>
+        <p:nvSpPr>
+          <p:cNvPr id="2" name="标题 1"/>
           <p:cNvSpPr>
             <a:spLocks noGrp="1"/>
           </p:cNvSpPr>
@@ -3971,24 +4388,22 @@
         <p:spPr/>
         <p:txBody>
           <a:bodyPr/>
-          <a:lstStyle/>
-          <a:p>
-            <a:r>
-              <a:rPr lang="zh-CN" altLang="en-US" dirty="0"/>
-              <a:t>进度汇报</a:t>
-            </a:r>
-          </a:p>
-        </p:txBody>
-      </p:sp>
-      <p:sp>
-        <p:nvSpPr>
-          <p:cNvPr id="3" name="内容占位符 2">
-            <a:extLst>
-              <a:ext uri="{FF2B5EF4-FFF2-40B4-BE49-F238E27FC236}">
-                <a16:creationId xmlns:a16="http://schemas.microsoft.com/office/drawing/2014/main" id="{C667B299-2EB9-832E-FFAC-7E0F0D10C01F}"/>
-              </a:ext>
-            </a:extLst>
-          </p:cNvPr>
+          <a:p>
+            <a:r>
+              <a:rPr lang="zh-CN" altLang="en-US"/>
+              <a:t>进度</a:t>
+            </a:r>
+            <a:r>
+              <a:rPr lang="zh-CN" altLang="en-US"/>
+              <a:t>汇报</a:t>
+            </a:r>
+            <a:endParaRPr lang="zh-CN" altLang="en-US"/>
+          </a:p>
+        </p:txBody>
+      </p:sp>
+      <p:sp>
+        <p:nvSpPr>
+          <p:cNvPr id="3" name="内容占位符 2"/>
           <p:cNvSpPr>
             <a:spLocks noGrp="1"/>
           </p:cNvSpPr>
@@ -3996,207 +4411,136 @@
             <p:ph idx="1"/>
           </p:nvPr>
         </p:nvSpPr>
+        <p:spPr>
+          <a:xfrm>
+            <a:off x="838200" y="1536065"/>
+            <a:ext cx="10515600" cy="4351338"/>
+          </a:xfrm>
+        </p:spPr>
+        <p:txBody>
+          <a:bodyPr/>
+          <a:p>
+            <a:r>
+              <a:rPr lang="zh-CN" altLang="en-US"/>
+              <a:t>于子淳</a:t>
+            </a:r>
+            <a:endParaRPr lang="zh-CN" altLang="en-US"/>
+          </a:p>
+          <a:p>
+            <a:r>
+              <a:rPr lang="zh-CN" altLang="en-US"/>
+              <a:t>编写打包测例程序，希望用一个程序直接在板子上跑完所有测例，不用进终端，</a:t>
+            </a:r>
+            <a:r>
+              <a:rPr lang="zh-CN" altLang="en-US"/>
+              <a:t>这样可以之后</a:t>
+            </a:r>
+            <a:r>
+              <a:rPr lang="zh-CN" altLang="en-US"/>
+              <a:t>再写驱动</a:t>
+            </a:r>
+            <a:endParaRPr lang="zh-CN" altLang="en-US"/>
+          </a:p>
+          <a:p>
+            <a:r>
+              <a:rPr lang="zh-CN" altLang="en-US"/>
+              <a:t>目前 zCore 更新了编译方式，在 Mac 上编译 rootfs 会出问题</a:t>
+            </a:r>
+            <a:endParaRPr lang="zh-CN" altLang="en-US"/>
+          </a:p>
+        </p:txBody>
+      </p:sp>
+      <p:sp>
+        <p:nvSpPr>
+          <p:cNvPr id="4" name="灯片编号占位符 3"/>
+          <p:cNvSpPr>
+            <a:spLocks noGrp="1"/>
+          </p:cNvSpPr>
+          <p:nvPr>
+            <p:ph type="sldNum" sz="quarter" idx="12"/>
+          </p:nvPr>
+        </p:nvSpPr>
         <p:spPr/>
         <p:txBody>
           <a:bodyPr/>
-          <a:lstStyle/>
-          <a:p>
-            <a:r>
-              <a:rPr lang="zh-CN" altLang="en-US" dirty="0"/>
-              <a:t>刘松铭</a:t>
-            </a:r>
-            <a:endParaRPr lang="en-US" altLang="zh-CN" dirty="0"/>
-          </a:p>
-          <a:p>
-            <a:r>
-              <a:rPr lang="zh-CN" altLang="en-US" dirty="0"/>
-              <a:t>目前进度</a:t>
-            </a:r>
-            <a:endParaRPr lang="en-US" altLang="zh-CN" dirty="0"/>
-          </a:p>
-          <a:p>
-            <a:pPr lvl="1"/>
-            <a:r>
-              <a:rPr lang="en-US" altLang="zh-CN" dirty="0" err="1"/>
-              <a:t>zCore</a:t>
-            </a:r>
-            <a:r>
-              <a:rPr lang="zh-CN" altLang="en-US" dirty="0"/>
-              <a:t>单核已经可以在</a:t>
-            </a:r>
-            <a:r>
-              <a:rPr lang="en-US" altLang="zh-CN" dirty="0"/>
-              <a:t>U740</a:t>
-            </a:r>
-            <a:r>
-              <a:rPr lang="zh-CN" altLang="en-US" dirty="0"/>
-              <a:t>上</a:t>
-            </a:r>
-            <a:r>
-              <a:rPr lang="en-US" altLang="zh-CN" dirty="0"/>
-              <a:t>boot</a:t>
-            </a:r>
-            <a:r>
-              <a:rPr lang="zh-CN" altLang="en-US" dirty="0"/>
-              <a:t>，多核还存在问题</a:t>
-            </a:r>
-            <a:endParaRPr lang="en-US" altLang="zh-CN" dirty="0"/>
-          </a:p>
-          <a:p>
-            <a:r>
-              <a:rPr lang="zh-CN" altLang="en-US" dirty="0"/>
-              <a:t>解决了</a:t>
-            </a:r>
-            <a:r>
-              <a:rPr lang="en-US" altLang="zh-CN" dirty="0"/>
-              <a:t>Read </a:t>
-            </a:r>
-            <a:r>
-              <a:rPr lang="en-US" altLang="zh-CN" dirty="0" err="1"/>
-              <a:t>PageFault</a:t>
-            </a:r>
-            <a:endParaRPr lang="en-US" altLang="zh-CN" dirty="0"/>
-          </a:p>
-          <a:p>
-            <a:pPr lvl="1"/>
-            <a:r>
-              <a:rPr lang="zh-CN" altLang="en-US" dirty="0"/>
-              <a:t>将</a:t>
-            </a:r>
-            <a:r>
-              <a:rPr lang="en-US" altLang="zh-CN" dirty="0"/>
-              <a:t>DTB</a:t>
-            </a:r>
-            <a:r>
-              <a:rPr lang="zh-CN" altLang="en-US" dirty="0"/>
-              <a:t>的空间从</a:t>
-            </a:r>
-            <a:r>
-              <a:rPr lang="en-US" altLang="zh-CN" dirty="0"/>
-              <a:t>Free Memory</a:t>
-            </a:r>
-            <a:r>
-              <a:rPr lang="zh-CN" altLang="en-US" dirty="0"/>
-              <a:t>中剔除，并对其增加只读页表映射</a:t>
-            </a:r>
-            <a:endParaRPr lang="en-US" altLang="zh-CN" dirty="0"/>
-          </a:p>
-          <a:p>
-            <a:pPr lvl="1"/>
-            <a:r>
-              <a:rPr lang="zh-CN" altLang="en-US" dirty="0"/>
-              <a:t>将可用物理地址最高置为</a:t>
-            </a:r>
-            <a:r>
-              <a:rPr lang="en-US" altLang="zh-CN" dirty="0"/>
-              <a:t>0xFFFFF000</a:t>
-            </a:r>
-            <a:r>
-              <a:rPr lang="zh-CN" altLang="en-US" dirty="0"/>
-              <a:t>，避免上取整溢出</a:t>
-            </a:r>
-            <a:endParaRPr lang="en-US" altLang="zh-CN" dirty="0"/>
-          </a:p>
-          <a:p>
-            <a:r>
-              <a:rPr lang="zh-CN" altLang="en-US" dirty="0"/>
-              <a:t>增加对设备树</a:t>
-            </a:r>
-            <a:r>
-              <a:rPr lang="en-US" altLang="zh-CN" dirty="0"/>
-              <a:t>Parse </a:t>
-            </a:r>
-            <a:r>
-              <a:rPr lang="en-US" altLang="zh-CN" dirty="0" err="1"/>
-              <a:t>Plic</a:t>
-            </a:r>
-            <a:r>
-              <a:rPr lang="zh-CN" altLang="en-US" dirty="0"/>
-              <a:t>的支持</a:t>
-            </a:r>
-            <a:endParaRPr lang="en-US" altLang="zh-CN" dirty="0"/>
-          </a:p>
-          <a:p>
-            <a:pPr lvl="1"/>
-            <a:r>
-              <a:rPr lang="zh-CN" altLang="en-US" dirty="0"/>
-              <a:t>多核存在核间中断，需要进行处理</a:t>
-            </a:r>
-            <a:endParaRPr lang="en-US" altLang="zh-CN" dirty="0"/>
-          </a:p>
-          <a:p>
-            <a:pPr lvl="1"/>
-            <a:r>
-              <a:rPr lang="en-US" altLang="zh-CN" dirty="0" err="1"/>
-              <a:t>dtc</a:t>
-            </a:r>
-            <a:r>
-              <a:rPr lang="zh-CN" altLang="en-US" dirty="0"/>
-              <a:t>反汇编，找到</a:t>
-            </a:r>
-            <a:r>
-              <a:rPr lang="en-US" altLang="zh-CN" dirty="0" err="1"/>
-              <a:t>plic</a:t>
-            </a:r>
-            <a:r>
-              <a:rPr lang="zh-CN" altLang="en-US" dirty="0"/>
-              <a:t>的</a:t>
-            </a:r>
-            <a:r>
-              <a:rPr lang="en-US" altLang="zh-CN" dirty="0"/>
-              <a:t>tag</a:t>
-            </a:r>
-            <a:r>
-              <a:rPr lang="zh-CN" altLang="en-US" dirty="0"/>
-              <a:t>，修改</a:t>
-            </a:r>
-            <a:r>
-              <a:rPr lang="en-US" altLang="zh-CN" dirty="0"/>
-              <a:t>parse</a:t>
-            </a:r>
-            <a:r>
-              <a:rPr lang="zh-CN" altLang="en-US" dirty="0"/>
-              <a:t>代码</a:t>
-            </a:r>
-            <a:endParaRPr lang="en-US" altLang="zh-CN" dirty="0"/>
-          </a:p>
-        </p:txBody>
-      </p:sp>
-      <p:sp>
-        <p:nvSpPr>
-          <p:cNvPr id="4" name="灯片编号占位符 3">
-            <a:extLst>
-              <a:ext uri="{FF2B5EF4-FFF2-40B4-BE49-F238E27FC236}">
-                <a16:creationId xmlns:a16="http://schemas.microsoft.com/office/drawing/2014/main" id="{3A76F292-21BC-7EC6-1184-B37944F9DD10}"/>
-              </a:ext>
-            </a:extLst>
-          </p:cNvPr>
-          <p:cNvSpPr>
-            <a:spLocks noGrp="1"/>
-          </p:cNvSpPr>
-          <p:nvPr>
-            <p:ph type="sldNum" sz="quarter" idx="12"/>
-          </p:nvPr>
-        </p:nvSpPr>
-        <p:spPr/>
-        <p:txBody>
-          <a:bodyPr/>
-          <a:lstStyle/>
           <a:p>
             <a:fld id="{519AEA81-C1FD-4B2C-87D1-3FA637539CC6}" type="slidenum">
               <a:rPr lang="zh-CN" altLang="en-US" smtClean="0"/>
-              <a:t>3</a:t>
             </a:fld>
             <a:endParaRPr lang="zh-CN" altLang="en-US" dirty="0"/>
           </a:p>
         </p:txBody>
       </p:sp>
+      <p:pic>
+        <p:nvPicPr>
+          <p:cNvPr id="5" name="图片 4" descr="截屏2022-05-28 08.59.11"/>
+          <p:cNvPicPr>
+            <a:picLocks noChangeAspect="1"/>
+          </p:cNvPicPr>
+          <p:nvPr/>
+        </p:nvPicPr>
+        <p:blipFill>
+          <a:blip r:embed="rId1"/>
+          <a:stretch>
+            <a:fillRect/>
+          </a:stretch>
+        </p:blipFill>
+        <p:spPr>
+          <a:xfrm>
+            <a:off x="1147445" y="3616960"/>
+            <a:ext cx="9897745" cy="2250440"/>
+          </a:xfrm>
+          <a:prstGeom prst="rect">
+            <a:avLst/>
+          </a:prstGeom>
+        </p:spPr>
+      </p:pic>
+      <p:sp>
+        <p:nvSpPr>
+          <p:cNvPr id="6" name="矩形 5"/>
+          <p:cNvSpPr/>
+          <p:nvPr/>
+        </p:nvSpPr>
+        <p:spPr>
+          <a:xfrm>
+            <a:off x="5591810" y="3616960"/>
+            <a:ext cx="1624330" cy="1990090"/>
+          </a:xfrm>
+          <a:prstGeom prst="rect">
+            <a:avLst/>
+          </a:prstGeom>
+          <a:noFill/>
+          <a:ln w="25400">
+            <a:solidFill>
+              <a:schemeClr val="tx1"/>
+            </a:solidFill>
+          </a:ln>
+        </p:spPr>
+        <p:style>
+          <a:lnRef idx="2">
+            <a:schemeClr val="accent1">
+              <a:shade val="50000"/>
+            </a:schemeClr>
+          </a:lnRef>
+          <a:fillRef idx="1">
+            <a:schemeClr val="accent1"/>
+          </a:fillRef>
+          <a:effectRef idx="0">
+            <a:schemeClr val="accent1"/>
+          </a:effectRef>
+          <a:fontRef idx="minor">
+            <a:schemeClr val="lt1"/>
+          </a:fontRef>
+        </p:style>
+        <p:txBody>
+          <a:bodyPr rtlCol="0" anchor="ctr"/>
+          <a:p>
+            <a:pPr algn="ctr"/>
+            <a:endParaRPr lang="zh-CN" altLang="en-US"/>
+          </a:p>
+        </p:txBody>
+      </p:sp>
     </p:spTree>
-    <p:extLst>
-      <p:ext uri="{BB962C8B-B14F-4D97-AF65-F5344CB8AC3E}">
-        <p14:creationId xmlns:p14="http://schemas.microsoft.com/office/powerpoint/2010/main" val="2188342295"/>
-      </p:ext>
-    </p:extLst>
   </p:cSld>
   <p:clrMapOvr>
     <a:masterClrMapping/>
@@ -4223,13 +4567,253 @@
       </p:grpSpPr>
       <p:sp>
         <p:nvSpPr>
-          <p:cNvPr id="2" name="标题 1">
-            <a:extLst>
-              <a:ext uri="{FF2B5EF4-FFF2-40B4-BE49-F238E27FC236}">
-                <a16:creationId xmlns:a16="http://schemas.microsoft.com/office/drawing/2014/main" id="{2149C24B-DD32-F277-F8BB-BFE3F5B5C8FD}"/>
-              </a:ext>
-            </a:extLst>
-          </p:cNvPr>
+          <p:cNvPr id="2" name="标题 1"/>
+          <p:cNvSpPr>
+            <a:spLocks noGrp="1"/>
+          </p:cNvSpPr>
+          <p:nvPr>
+            <p:ph type="title"/>
+          </p:nvPr>
+        </p:nvSpPr>
+        <p:spPr/>
+        <p:txBody>
+          <a:bodyPr/>
+          <a:lstStyle/>
+          <a:p>
+            <a:r>
+              <a:rPr lang="zh-CN" altLang="en-US" dirty="0"/>
+              <a:t>进度汇报</a:t>
+            </a:r>
+            <a:endParaRPr lang="zh-CN" altLang="en-US" dirty="0"/>
+          </a:p>
+        </p:txBody>
+      </p:sp>
+      <p:sp>
+        <p:nvSpPr>
+          <p:cNvPr id="3" name="内容占位符 2"/>
+          <p:cNvSpPr>
+            <a:spLocks noGrp="1"/>
+          </p:cNvSpPr>
+          <p:nvPr>
+            <p:ph idx="1"/>
+          </p:nvPr>
+        </p:nvSpPr>
+        <p:spPr/>
+        <p:txBody>
+          <a:bodyPr/>
+          <a:lstStyle/>
+          <a:p>
+            <a:r>
+              <a:rPr lang="zh-CN" altLang="en-US" dirty="0"/>
+              <a:t>刘松铭</a:t>
+            </a:r>
+            <a:endParaRPr lang="en-US" altLang="zh-CN" dirty="0"/>
+          </a:p>
+          <a:p>
+            <a:r>
+              <a:rPr lang="zh-CN" altLang="en-US" dirty="0"/>
+              <a:t>目前进度</a:t>
+            </a:r>
+            <a:endParaRPr lang="en-US" altLang="zh-CN" dirty="0"/>
+          </a:p>
+          <a:p>
+            <a:pPr lvl="1"/>
+            <a:r>
+              <a:rPr lang="en-US" altLang="zh-CN" dirty="0" err="1"/>
+              <a:t>zCore</a:t>
+            </a:r>
+            <a:r>
+              <a:rPr lang="zh-CN" altLang="en-US" dirty="0"/>
+              <a:t>单核已经可以在</a:t>
+            </a:r>
+            <a:r>
+              <a:rPr lang="en-US" altLang="zh-CN" dirty="0"/>
+              <a:t>U740</a:t>
+            </a:r>
+            <a:r>
+              <a:rPr lang="zh-CN" altLang="en-US" dirty="0"/>
+              <a:t>上</a:t>
+            </a:r>
+            <a:r>
+              <a:rPr lang="en-US" altLang="zh-CN" dirty="0"/>
+              <a:t>boot</a:t>
+            </a:r>
+            <a:r>
+              <a:rPr lang="zh-CN" altLang="en-US" dirty="0"/>
+              <a:t>，多核还存在问题</a:t>
+            </a:r>
+            <a:endParaRPr lang="en-US" altLang="zh-CN" dirty="0"/>
+          </a:p>
+          <a:p>
+            <a:r>
+              <a:rPr lang="zh-CN" altLang="en-US" dirty="0"/>
+              <a:t>解决了</a:t>
+            </a:r>
+            <a:r>
+              <a:rPr lang="en-US" altLang="zh-CN" dirty="0"/>
+              <a:t>Read </a:t>
+            </a:r>
+            <a:r>
+              <a:rPr lang="en-US" altLang="zh-CN" dirty="0" err="1"/>
+              <a:t>PageFault</a:t>
+            </a:r>
+            <a:endParaRPr lang="en-US" altLang="zh-CN" dirty="0"/>
+          </a:p>
+          <a:p>
+            <a:pPr lvl="1"/>
+            <a:r>
+              <a:rPr lang="zh-CN" altLang="en-US" dirty="0"/>
+              <a:t>将</a:t>
+            </a:r>
+            <a:r>
+              <a:rPr lang="en-US" altLang="zh-CN" dirty="0"/>
+              <a:t>DTB</a:t>
+            </a:r>
+            <a:r>
+              <a:rPr lang="zh-CN" altLang="en-US" dirty="0"/>
+              <a:t>的空间从</a:t>
+            </a:r>
+            <a:r>
+              <a:rPr lang="en-US" altLang="zh-CN" dirty="0"/>
+              <a:t>Free Memory</a:t>
+            </a:r>
+            <a:r>
+              <a:rPr lang="zh-CN" altLang="en-US" dirty="0"/>
+              <a:t>中剔除，并对其增加只读页表映射</a:t>
+            </a:r>
+            <a:endParaRPr lang="en-US" altLang="zh-CN" dirty="0"/>
+          </a:p>
+          <a:p>
+            <a:pPr lvl="1"/>
+            <a:r>
+              <a:rPr lang="zh-CN" altLang="en-US" dirty="0"/>
+              <a:t>将可用物理地址最高置为</a:t>
+            </a:r>
+            <a:r>
+              <a:rPr lang="en-US" altLang="zh-CN" dirty="0"/>
+              <a:t>0xFFFFF000</a:t>
+            </a:r>
+            <a:r>
+              <a:rPr lang="zh-CN" altLang="en-US" dirty="0"/>
+              <a:t>，避免上取整溢出</a:t>
+            </a:r>
+            <a:endParaRPr lang="en-US" altLang="zh-CN" dirty="0"/>
+          </a:p>
+          <a:p>
+            <a:r>
+              <a:rPr lang="zh-CN" altLang="en-US" dirty="0"/>
+              <a:t>增加对设备树</a:t>
+            </a:r>
+            <a:r>
+              <a:rPr lang="en-US" altLang="zh-CN" dirty="0"/>
+              <a:t>Parse </a:t>
+            </a:r>
+            <a:r>
+              <a:rPr lang="en-US" altLang="zh-CN" dirty="0" err="1"/>
+              <a:t>Plic</a:t>
+            </a:r>
+            <a:r>
+              <a:rPr lang="zh-CN" altLang="en-US" dirty="0"/>
+              <a:t>的支持</a:t>
+            </a:r>
+            <a:endParaRPr lang="en-US" altLang="zh-CN" dirty="0"/>
+          </a:p>
+          <a:p>
+            <a:pPr lvl="1"/>
+            <a:r>
+              <a:rPr lang="zh-CN" altLang="en-US" dirty="0"/>
+              <a:t>多核存在核间中断，需要进行处理</a:t>
+            </a:r>
+            <a:endParaRPr lang="en-US" altLang="zh-CN" dirty="0"/>
+          </a:p>
+          <a:p>
+            <a:pPr lvl="1"/>
+            <a:r>
+              <a:rPr lang="en-US" altLang="zh-CN" dirty="0" err="1"/>
+              <a:t>dtc</a:t>
+            </a:r>
+            <a:r>
+              <a:rPr lang="zh-CN" altLang="en-US" dirty="0"/>
+              <a:t>反汇编，找到</a:t>
+            </a:r>
+            <a:r>
+              <a:rPr lang="en-US" altLang="zh-CN" dirty="0" err="1"/>
+              <a:t>plic</a:t>
+            </a:r>
+            <a:r>
+              <a:rPr lang="zh-CN" altLang="en-US" dirty="0"/>
+              <a:t>的</a:t>
+            </a:r>
+            <a:r>
+              <a:rPr lang="en-US" altLang="zh-CN" dirty="0"/>
+              <a:t>tag</a:t>
+            </a:r>
+            <a:r>
+              <a:rPr lang="zh-CN" altLang="en-US" dirty="0"/>
+              <a:t>，修改</a:t>
+            </a:r>
+            <a:r>
+              <a:rPr lang="en-US" altLang="zh-CN" dirty="0"/>
+              <a:t>parse</a:t>
+            </a:r>
+            <a:r>
+              <a:rPr lang="zh-CN" altLang="en-US" dirty="0"/>
+              <a:t>代码</a:t>
+            </a:r>
+            <a:endParaRPr lang="en-US" altLang="zh-CN" dirty="0"/>
+          </a:p>
+        </p:txBody>
+      </p:sp>
+      <p:sp>
+        <p:nvSpPr>
+          <p:cNvPr id="4" name="灯片编号占位符 3"/>
+          <p:cNvSpPr>
+            <a:spLocks noGrp="1"/>
+          </p:cNvSpPr>
+          <p:nvPr>
+            <p:ph type="sldNum" sz="quarter" idx="12"/>
+          </p:nvPr>
+        </p:nvSpPr>
+        <p:spPr/>
+        <p:txBody>
+          <a:bodyPr/>
+          <a:lstStyle/>
+          <a:p>
+            <a:fld id="{519AEA81-C1FD-4B2C-87D1-3FA637539CC6}" type="slidenum">
+              <a:rPr lang="zh-CN" altLang="en-US" smtClean="0"/>
+            </a:fld>
+            <a:endParaRPr lang="zh-CN" altLang="en-US" dirty="0"/>
+          </a:p>
+        </p:txBody>
+      </p:sp>
+    </p:spTree>
+  </p:cSld>
+  <p:clrMapOvr>
+    <a:masterClrMapping/>
+  </p:clrMapOvr>
+</p:sld>
+</file>
+
+<file path=ppt/slides/slide5.xml><?xml version="1.0" encoding="utf-8"?>
+<p:sld xmlns:a="http://schemas.openxmlformats.org/drawingml/2006/main" xmlns:r="http://schemas.openxmlformats.org/officeDocument/2006/relationships" xmlns:p="http://schemas.openxmlformats.org/presentationml/2006/main">
+  <p:cSld>
+    <p:spTree>
+      <p:nvGrpSpPr>
+        <p:cNvPr id="1" name=""/>
+        <p:cNvGrpSpPr/>
+        <p:nvPr/>
+      </p:nvGrpSpPr>
+      <p:grpSpPr>
+        <a:xfrm>
+          <a:off x="0" y="0"/>
+          <a:ext cx="0" cy="0"/>
+          <a:chOff x="0" y="0"/>
+          <a:chExt cx="0" cy="0"/>
+        </a:xfrm>
+      </p:grpSpPr>
+      <p:sp>
+        <p:nvSpPr>
+          <p:cNvPr id="2" name="标题 1"/>
           <p:cNvSpPr>
             <a:spLocks noGrp="1"/>
           </p:cNvSpPr>
@@ -4246,18 +4830,13 @@
               <a:rPr lang="zh-CN" altLang="en-US" dirty="0"/>
               <a:t>目前问题</a:t>
             </a:r>
-          </a:p>
-        </p:txBody>
-      </p:sp>
-      <p:sp>
-        <p:nvSpPr>
-          <p:cNvPr id="3" name="内容占位符 2">
-            <a:extLst>
-              <a:ext uri="{FF2B5EF4-FFF2-40B4-BE49-F238E27FC236}">
-                <a16:creationId xmlns:a16="http://schemas.microsoft.com/office/drawing/2014/main" id="{4244DD2A-53B1-F8DC-22F9-25FDEDE31D26}"/>
-              </a:ext>
-            </a:extLst>
-          </p:cNvPr>
+            <a:endParaRPr lang="zh-CN" altLang="en-US" dirty="0"/>
+          </a:p>
+        </p:txBody>
+      </p:sp>
+      <p:sp>
+        <p:nvSpPr>
+          <p:cNvPr id="3" name="内容占位符 2"/>
           <p:cNvSpPr>
             <a:spLocks noGrp="1"/>
           </p:cNvSpPr>
@@ -4278,6 +4857,7 @@
               <a:rPr lang="en-US" altLang="zh-CN" dirty="0"/>
               <a:t>bug</a:t>
             </a:r>
+            <a:endParaRPr lang="en-US" altLang="zh-CN" dirty="0"/>
           </a:p>
           <a:p>
             <a:r>
@@ -4302,13 +4882,7 @@
       </p:sp>
       <p:sp>
         <p:nvSpPr>
-          <p:cNvPr id="4" name="灯片编号占位符 3">
-            <a:extLst>
-              <a:ext uri="{FF2B5EF4-FFF2-40B4-BE49-F238E27FC236}">
-                <a16:creationId xmlns:a16="http://schemas.microsoft.com/office/drawing/2014/main" id="{FEC5BAAD-FCDB-4CDF-C2D4-989FB0E8F9B3}"/>
-              </a:ext>
-            </a:extLst>
-          </p:cNvPr>
+          <p:cNvPr id="4" name="灯片编号占位符 3"/>
           <p:cNvSpPr>
             <a:spLocks noGrp="1"/>
           </p:cNvSpPr>
@@ -4323,7 +4897,6 @@
           <a:p>
             <a:fld id="{519AEA81-C1FD-4B2C-87D1-3FA637539CC6}" type="slidenum">
               <a:rPr lang="zh-CN" altLang="en-US" smtClean="0"/>
-              <a:t>4</a:t>
             </a:fld>
             <a:endParaRPr lang="zh-CN" altLang="en-US" dirty="0"/>
           </a:p>
@@ -4331,20 +4904,14 @@
       </p:sp>
       <p:pic>
         <p:nvPicPr>
-          <p:cNvPr id="7" name="图片 6">
-            <a:extLst>
-              <a:ext uri="{FF2B5EF4-FFF2-40B4-BE49-F238E27FC236}">
-                <a16:creationId xmlns:a16="http://schemas.microsoft.com/office/drawing/2014/main" id="{9C34BE71-2226-B1DA-BEE9-2248661CE2A7}"/>
-              </a:ext>
-            </a:extLst>
-          </p:cNvPr>
+          <p:cNvPr id="7" name="图片 6"/>
           <p:cNvPicPr>
             <a:picLocks noChangeAspect="1"/>
           </p:cNvPicPr>
           <p:nvPr/>
         </p:nvPicPr>
         <p:blipFill>
-          <a:blip r:embed="rId2">
+          <a:blip r:embed="rId1">
             <a:extLst>
               <a:ext uri="{28A0092B-C50C-407E-A947-70E740481C1C}">
                 <a14:useLocalDpi xmlns:a14="http://schemas.microsoft.com/office/drawing/2010/main" val="0"/>
@@ -4366,11 +4933,6 @@
         </p:spPr>
       </p:pic>
     </p:spTree>
-    <p:extLst>
-      <p:ext uri="{BB962C8B-B14F-4D97-AF65-F5344CB8AC3E}">
-        <p14:creationId xmlns:p14="http://schemas.microsoft.com/office/powerpoint/2010/main" val="2526896225"/>
-      </p:ext>
-    </p:extLst>
   </p:cSld>
   <p:clrMapOvr>
     <a:masterClrMapping/>
@@ -4453,7 +5015,7 @@
 </p:sld>
 </file>
 
-<file path=ppt/slides/slide5.xml><?xml version="1.0" encoding="utf-8"?>
+<file path=ppt/slides/slide6.xml><?xml version="1.0" encoding="utf-8"?>
 <p:sld xmlns:a="http://schemas.openxmlformats.org/drawingml/2006/main" xmlns:r="http://schemas.openxmlformats.org/officeDocument/2006/relationships" xmlns:p="http://schemas.openxmlformats.org/presentationml/2006/main">
   <p:cSld>
     <p:spTree>
@@ -4512,6 +5074,7 @@
               <a:rPr lang="zh-CN" altLang="en-US"/>
               <a:t>感谢张译仁助教的鼎力支持！</a:t>
             </a:r>
+            <a:endParaRPr lang="zh-CN" altLang="en-US"/>
           </a:p>
         </p:txBody>
       </p:sp>
@@ -4532,7 +5095,6 @@
           <a:p>
             <a:fld id="{519AEA81-C1FD-4B2C-87D1-3FA637539CC6}" type="slidenum">
               <a:rPr lang="zh-CN" altLang="en-US" smtClean="0"/>
-              <a:t>5</a:t>
             </a:fld>
             <a:endParaRPr lang="zh-CN" altLang="en-US" dirty="0"/>
           </a:p>
@@ -4870,7 +5432,6 @@
       </a:lstStyle>
     </a:txDef>
   </a:objectDefaults>
-  <a:extraClrSchemeLst/>
   <a:extLst>
     <a:ext uri="{05A4C25C-085E-4340-85A3-A5531E510DB2}">
       <thm15:themeFamily xmlns:thm15="http://schemas.microsoft.com/office/thememl/2012/main" name="Office Theme" id="{62F939B6-93AF-4DB8-9C6B-D6C7DFDC589F}" vid="{4A3C46E8-61CC-4603-A589-7422A47A8E4A}"/>
@@ -5130,8 +5691,6 @@
       </a:bgFillStyleLst>
     </a:fmtScheme>
   </a:themeElements>
-  <a:objectDefaults/>
-  <a:extraClrSchemeLst/>
   <a:extLst>
     <a:ext uri="{05A4C25C-085E-4340-85A3-A5531E510DB2}">
       <thm15:themeFamily xmlns:thm15="http://schemas.microsoft.com/office/thememl/2012/main" name="Office Theme" id="{62F939B6-93AF-4DB8-9C6B-D6C7DFDC589F}" vid="{4A3C46E8-61CC-4603-A589-7422A47A8E4A}"/>
@@ -5391,8 +5950,6 @@
       </a:bgFillStyleLst>
     </a:fmtScheme>
   </a:themeElements>
-  <a:objectDefaults/>
-  <a:extraClrSchemeLst/>
   <a:extLst>
     <a:ext uri="{05A4C25C-085E-4340-85A3-A5531E510DB2}">
       <thm15:themeFamily xmlns:thm15="http://schemas.microsoft.com/office/thememl/2012/main" name="Office Theme" id="{62F939B6-93AF-4DB8-9C6B-D6C7DFDC589F}" vid="{4A3C46E8-61CC-4603-A589-7422A47A8E4A}"/>

--- a/进度汇报PPT汇总/week14.pptx
+++ b/进度汇报PPT汇总/week14.pptx
@@ -4272,7 +4272,7 @@
         </p:nvSpPr>
         <p:spPr>
           <a:xfrm>
-            <a:off x="7785735" y="3167380"/>
+            <a:off x="7938135" y="3923665"/>
             <a:ext cx="3046730" cy="829945"/>
           </a:xfrm>
           <a:prstGeom prst="rect">
@@ -4291,7 +4291,7 @@
                 <a:latin typeface="微软雅黑" panose="020B0503020204020204" pitchFamily="34" charset="-122"/>
                 <a:ea typeface="微软雅黑" panose="020B0503020204020204" pitchFamily="34" charset="-122"/>
               </a:rPr>
-              <a:t>单核调度器跑多核 有</a:t>
+              <a:t>单核调度器跑多核有</a:t>
             </a:r>
             <a:r>
               <a:rPr lang="zh-CN" altLang="en-US" sz="2400" dirty="0">
@@ -4329,7 +4329,7 @@
         </p:nvSpPr>
         <p:spPr>
           <a:xfrm>
-            <a:off x="7785735" y="4669790"/>
+            <a:off x="7938135" y="5080635"/>
             <a:ext cx="3456305" cy="829945"/>
           </a:xfrm>
           <a:prstGeom prst="rect">
@@ -4354,6 +4354,45 @@
               <a:latin typeface="微软雅黑" panose="020B0503020204020204" pitchFamily="34" charset="-122"/>
               <a:ea typeface="微软雅黑" panose="020B0503020204020204" pitchFamily="34" charset="-122"/>
             </a:endParaRPr>
+          </a:p>
+        </p:txBody>
+      </p:sp>
+      <p:sp>
+        <p:nvSpPr>
+          <p:cNvPr id="9" name="左大括号 8"/>
+          <p:cNvSpPr/>
+          <p:nvPr/>
+        </p:nvSpPr>
+        <p:spPr>
+          <a:xfrm>
+            <a:off x="7695565" y="4272915"/>
+            <a:ext cx="123190" cy="1259205"/>
+          </a:xfrm>
+          <a:prstGeom prst="leftBrace">
+            <a:avLst/>
+          </a:prstGeom>
+          <a:ln w="22225">
+            <a:tailEnd type="none"/>
+          </a:ln>
+        </p:spPr>
+        <p:style>
+          <a:lnRef idx="1">
+            <a:schemeClr val="dk1"/>
+          </a:lnRef>
+          <a:fillRef idx="0">
+            <a:schemeClr val="dk1"/>
+          </a:fillRef>
+          <a:effectRef idx="0">
+            <a:schemeClr val="dk1"/>
+          </a:effectRef>
+          <a:fontRef idx="minor">
+            <a:schemeClr val="tx1"/>
+          </a:fontRef>
+        </p:style>
+        <p:txBody>
+          <a:bodyPr/>
+          <a:p>
+            <a:endParaRPr lang="zh-CN" altLang="en-US"/>
           </a:p>
         </p:txBody>
       </p:sp>
